--- a/Den nya krypteringalgoritm.pptx
+++ b/Den nya krypteringalgoritm.pptx
@@ -21,7 +21,10 @@
     <p:sldId id="277" r:id="rId15"/>
     <p:sldId id="269" r:id="rId16"/>
     <p:sldId id="272" r:id="rId17"/>
-    <p:sldId id="273" r:id="rId18"/>
+    <p:sldId id="279" r:id="rId18"/>
+    <p:sldId id="278" r:id="rId19"/>
+    <p:sldId id="280" r:id="rId20"/>
+    <p:sldId id="273" r:id="rId21"/>
   </p:sldIdLst>
   <p:sldSz cx="12192000" cy="6858000"/>
   <p:notesSz cx="6858000" cy="9144000"/>
@@ -3756,55 +3759,6 @@
       </p:sp>
       <p:sp>
         <p:nvSpPr>
-          <p:cNvPr id="3" name="Content Placeholder 2">
-            <a:extLst>
-              <a:ext uri="{FF2B5EF4-FFF2-40B4-BE49-F238E27FC236}">
-                <a16:creationId xmlns:a16="http://schemas.microsoft.com/office/drawing/2014/main" id="{13F7B3FF-8C33-4CDE-9AD9-B378C8056919}"/>
-              </a:ext>
-            </a:extLst>
-          </p:cNvPr>
-          <p:cNvSpPr>
-            <a:spLocks noGrp="1"/>
-          </p:cNvSpPr>
-          <p:nvPr>
-            <p:ph idx="1"/>
-          </p:nvPr>
-        </p:nvSpPr>
-        <p:spPr>
-          <a:xfrm>
-            <a:off x="7534641" y="1065862"/>
-            <a:ext cx="3860002" cy="4726276"/>
-          </a:xfrm>
-        </p:spPr>
-        <p:txBody>
-          <a:bodyPr anchor="ctr">
-            <a:normAutofit/>
-          </a:bodyPr>
-          <a:lstStyle/>
-          <a:p>
-            <a:r>
-              <a:rPr lang="sv-SE" sz="2000" dirty="0">
-                <a:solidFill>
-                  <a:srgbClr val="FFFFFF"/>
-                </a:solidFill>
-              </a:rPr>
-              <a:t>Avbildning</a:t>
-            </a:r>
-          </a:p>
-          <a:p>
-            <a:r>
-              <a:rPr lang="sv-SE" sz="2000" dirty="0">
-                <a:solidFill>
-                  <a:srgbClr val="FFFFFF"/>
-                </a:solidFill>
-              </a:rPr>
-              <a:t>Transposition</a:t>
-            </a:r>
-          </a:p>
-        </p:txBody>
-      </p:sp>
-      <p:sp>
-        <p:nvSpPr>
           <p:cNvPr id="16" name="Content Placeholder 2">
             <a:extLst>
               <a:ext uri="{FF2B5EF4-FFF2-40B4-BE49-F238E27FC236}">
@@ -3819,8 +3773,8 @@
         </p:nvSpPr>
         <p:spPr>
           <a:xfrm>
-            <a:off x="1228352" y="4525442"/>
-            <a:ext cx="4738047" cy="1429263"/>
+            <a:off x="1123577" y="4535777"/>
+            <a:ext cx="6858373" cy="1429263"/>
           </a:xfrm>
           <a:prstGeom prst="rect">
             <a:avLst/>
@@ -4050,7 +4004,7 @@
         </p:nvSpPr>
         <p:spPr>
           <a:xfrm>
-            <a:off x="1414858" y="2286000"/>
+            <a:off x="1236546" y="2286000"/>
             <a:ext cx="4738047" cy="619382"/>
           </a:xfrm>
           <a:prstGeom prst="rect">
@@ -4481,6 +4435,35 @@
                           <a:rPr lang="sv-SE" b="0" i="1" smtClean="0">
                             <a:latin typeface="Cambria Math" panose="02040503050406030204" pitchFamily="18" charset="0"/>
                           </a:rPr>
+                          <m:t>𝑓</m:t>
+                        </m:r>
+                        <m:d>
+                          <m:dPr>
+                            <m:ctrlPr>
+                              <a:rPr lang="sv-SE" b="0" i="1" smtClean="0">
+                                <a:latin typeface="Cambria Math" panose="02040503050406030204" pitchFamily="18" charset="0"/>
+                              </a:rPr>
+                            </m:ctrlPr>
+                          </m:dPr>
+                          <m:e>
+                            <m:r>
+                              <a:rPr lang="sv-SE" b="0" i="1" smtClean="0">
+                                <a:latin typeface="Cambria Math" panose="02040503050406030204" pitchFamily="18" charset="0"/>
+                              </a:rPr>
+                              <m:t>𝑥</m:t>
+                            </m:r>
+                          </m:e>
+                        </m:d>
+                        <m:r>
+                          <a:rPr lang="sv-SE" b="0" i="1" smtClean="0">
+                            <a:latin typeface="Cambria Math" panose="02040503050406030204" pitchFamily="18" charset="0"/>
+                          </a:rPr>
+                          <m:t>=</m:t>
+                        </m:r>
+                        <m:r>
+                          <a:rPr lang="sv-SE" b="0" i="1" smtClean="0">
+                            <a:latin typeface="Cambria Math" panose="02040503050406030204" pitchFamily="18" charset="0"/>
+                          </a:rPr>
                           <m:t>(</m:t>
                         </m:r>
                         <m:sSup>
@@ -4680,34 +4663,163 @@
           <a:chExt cx="0" cy="0"/>
         </a:xfrm>
       </p:grpSpPr>
-      <p:sp>
-        <p:nvSpPr>
-          <p:cNvPr id="2" name="Title 1">
-            <a:extLst>
-              <a:ext uri="{FF2B5EF4-FFF2-40B4-BE49-F238E27FC236}">
-                <a16:creationId xmlns:a16="http://schemas.microsoft.com/office/drawing/2014/main" id="{04C3B235-9550-40EE-BD75-B28BD20F462A}"/>
-              </a:ext>
-            </a:extLst>
-          </p:cNvPr>
-          <p:cNvSpPr>
-            <a:spLocks noGrp="1"/>
-          </p:cNvSpPr>
-          <p:nvPr>
-            <p:ph type="title"/>
-          </p:nvPr>
-        </p:nvSpPr>
-        <p:spPr/>
-        <p:txBody>
-          <a:bodyPr/>
-          <a:lstStyle/>
-          <a:p>
-            <a:r>
-              <a:rPr lang="sv-SE" dirty="0"/>
-              <a:t>Semi-faktoriseringsfunktion</a:t>
-            </a:r>
-          </a:p>
-        </p:txBody>
-      </p:sp>
+      <mc:AlternateContent xmlns:mc="http://schemas.openxmlformats.org/markup-compatibility/2006">
+        <mc:Choice xmlns:a14="http://schemas.microsoft.com/office/drawing/2010/main" Requires="a14">
+          <p:sp>
+            <p:nvSpPr>
+              <p:cNvPr id="2" name="Title 1">
+                <a:extLst>
+                  <a:ext uri="{FF2B5EF4-FFF2-40B4-BE49-F238E27FC236}">
+                    <a16:creationId xmlns:a16="http://schemas.microsoft.com/office/drawing/2014/main" id="{04C3B235-9550-40EE-BD75-B28BD20F462A}"/>
+                  </a:ext>
+                </a:extLst>
+              </p:cNvPr>
+              <p:cNvSpPr>
+                <a:spLocks noGrp="1"/>
+              </p:cNvSpPr>
+              <p:nvPr>
+                <p:ph type="title"/>
+              </p:nvPr>
+            </p:nvSpPr>
+            <p:spPr/>
+            <p:txBody>
+              <a:bodyPr/>
+              <a:lstStyle/>
+              <a:p>
+                <a:pPr/>
+                <a14:m>
+                  <m:oMathPara xmlns:m="http://schemas.openxmlformats.org/officeDocument/2006/math">
+                    <m:oMathParaPr>
+                      <m:jc m:val="center"/>
+                    </m:oMathParaPr>
+                    <m:oMath xmlns:m="http://schemas.openxmlformats.org/officeDocument/2006/math">
+                      <m:sSup>
+                        <m:sSupPr>
+                          <m:ctrlPr>
+                            <a:rPr lang="sv-SE" i="1">
+                              <a:latin typeface="Cambria Math" panose="02040503050406030204" pitchFamily="18" charset="0"/>
+                            </a:rPr>
+                          </m:ctrlPr>
+                        </m:sSupPr>
+                        <m:e>
+                          <m:r>
+                            <a:rPr lang="sv-SE" i="1">
+                              <a:latin typeface="Cambria Math" panose="02040503050406030204" pitchFamily="18" charset="0"/>
+                            </a:rPr>
+                            <m:t>𝑓</m:t>
+                          </m:r>
+                          <m:d>
+                            <m:dPr>
+                              <m:ctrlPr>
+                                <a:rPr lang="sv-SE" i="1">
+                                  <a:latin typeface="Cambria Math" panose="02040503050406030204" pitchFamily="18" charset="0"/>
+                                </a:rPr>
+                              </m:ctrlPr>
+                            </m:dPr>
+                            <m:e>
+                              <m:r>
+                                <a:rPr lang="sv-SE" i="1">
+                                  <a:latin typeface="Cambria Math" panose="02040503050406030204" pitchFamily="18" charset="0"/>
+                                </a:rPr>
+                                <m:t>𝑥</m:t>
+                              </m:r>
+                            </m:e>
+                          </m:d>
+                          <m:r>
+                            <a:rPr lang="sv-SE" i="1">
+                              <a:latin typeface="Cambria Math" panose="02040503050406030204" pitchFamily="18" charset="0"/>
+                            </a:rPr>
+                            <m:t>=(</m:t>
+                          </m:r>
+                          <m:sSup>
+                            <m:sSupPr>
+                              <m:ctrlPr>
+                                <a:rPr lang="sv-SE" i="1">
+                                  <a:latin typeface="Cambria Math" panose="02040503050406030204" pitchFamily="18" charset="0"/>
+                                </a:rPr>
+                              </m:ctrlPr>
+                            </m:sSupPr>
+                            <m:e>
+                              <m:r>
+                                <a:rPr lang="sv-SE" i="1">
+                                  <a:latin typeface="Cambria Math" panose="02040503050406030204" pitchFamily="18" charset="0"/>
+                                </a:rPr>
+                                <m:t>𝑥</m:t>
+                              </m:r>
+                            </m:e>
+                            <m:sup>
+                              <m:r>
+                                <a:rPr lang="sv-SE" i="1">
+                                  <a:latin typeface="Cambria Math" panose="02040503050406030204" pitchFamily="18" charset="0"/>
+                                </a:rPr>
+                                <m:t>𝑥</m:t>
+                              </m:r>
+                            </m:sup>
+                          </m:sSup>
+                          <m:r>
+                            <a:rPr lang="sv-SE" i="1">
+                              <a:latin typeface="Cambria Math" panose="02040503050406030204" pitchFamily="18" charset="0"/>
+                            </a:rPr>
+                            <m:t>)</m:t>
+                          </m:r>
+                        </m:e>
+                        <m:sup>
+                          <m:r>
+                            <a:rPr lang="sv-SE" i="1">
+                              <a:latin typeface="Cambria Math" panose="02040503050406030204" pitchFamily="18" charset="0"/>
+                            </a:rPr>
+                            <m:t>𝑎</m:t>
+                          </m:r>
+                        </m:sup>
+                      </m:sSup>
+                    </m:oMath>
+                  </m:oMathPara>
+                </a14:m>
+                <a:endParaRPr lang="sv-SE" dirty="0"/>
+              </a:p>
+            </p:txBody>
+          </p:sp>
+        </mc:Choice>
+        <mc:Fallback>
+          <p:sp>
+            <p:nvSpPr>
+              <p:cNvPr id="2" name="Title 1">
+                <a:extLst>
+                  <a:ext uri="{FF2B5EF4-FFF2-40B4-BE49-F238E27FC236}">
+                    <a16:creationId xmlns:a16="http://schemas.microsoft.com/office/drawing/2014/main" id="{04C3B235-9550-40EE-BD75-B28BD20F462A}"/>
+                  </a:ext>
+                </a:extLst>
+              </p:cNvPr>
+              <p:cNvSpPr>
+                <a:spLocks noGrp="1" noRot="1" noChangeAspect="1" noMove="1" noResize="1" noEditPoints="1" noAdjustHandles="1" noChangeArrowheads="1" noChangeShapeType="1" noTextEdit="1"/>
+              </p:cNvSpPr>
+              <p:nvPr>
+                <p:ph type="title"/>
+              </p:nvPr>
+            </p:nvSpPr>
+            <p:spPr>
+              <a:blipFill>
+                <a:blip r:embed="rId2"/>
+                <a:stretch>
+                  <a:fillRect/>
+                </a:stretch>
+              </a:blipFill>
+            </p:spPr>
+            <p:txBody>
+              <a:bodyPr/>
+              <a:lstStyle/>
+              <a:p>
+                <a:r>
+                  <a:rPr lang="sv-SE">
+                    <a:noFill/>
+                  </a:rPr>
+                  <a:t> </a:t>
+                </a:r>
+              </a:p>
+            </p:txBody>
+          </p:sp>
+        </mc:Fallback>
+      </mc:AlternateContent>
       <p:sp>
         <p:nvSpPr>
           <p:cNvPr id="3" name="Content Placeholder 2">
@@ -4739,41 +4851,6 @@
           </a:p>
         </p:txBody>
       </p:sp>
-      <p:sp>
-        <p:nvSpPr>
-          <p:cNvPr id="5" name="TextBox 4">
-            <a:extLst>
-              <a:ext uri="{FF2B5EF4-FFF2-40B4-BE49-F238E27FC236}">
-                <a16:creationId xmlns:a16="http://schemas.microsoft.com/office/drawing/2014/main" id="{AE67D4F9-042D-47EB-8552-74228D538AAD}"/>
-              </a:ext>
-            </a:extLst>
-          </p:cNvPr>
-          <p:cNvSpPr txBox="1"/>
-          <p:nvPr/>
-        </p:nvSpPr>
-        <p:spPr>
-          <a:xfrm>
-            <a:off x="4391025" y="1483043"/>
-            <a:ext cx="3790950" cy="369332"/>
-          </a:xfrm>
-          <a:prstGeom prst="rect">
-            <a:avLst/>
-          </a:prstGeom>
-          <a:noFill/>
-        </p:spPr>
-        <p:txBody>
-          <a:bodyPr wrap="square" rtlCol="0">
-            <a:spAutoFit/>
-          </a:bodyPr>
-          <a:lstStyle/>
-          <a:p>
-            <a:r>
-              <a:rPr lang="sv-SE" dirty="0"/>
-              <a:t>Undersökning av variabeln a</a:t>
-            </a:r>
-          </a:p>
-        </p:txBody>
-      </p:sp>
       <p:pic>
         <p:nvPicPr>
           <p:cNvPr id="6" name="Picture 5">
@@ -4789,7 +4866,7 @@
           <p:nvPr/>
         </p:nvPicPr>
         <p:blipFill>
-          <a:blip r:embed="rId2"/>
+          <a:blip r:embed="rId3"/>
           <a:stretch>
             <a:fillRect/>
           </a:stretch>
@@ -4819,7 +4896,7 @@
           <p:nvPr/>
         </p:nvPicPr>
         <p:blipFill>
-          <a:blip r:embed="rId3"/>
+          <a:blip r:embed="rId4"/>
           <a:stretch>
             <a:fillRect/>
           </a:stretch>
@@ -4828,6 +4905,45 @@
           <a:xfrm>
             <a:off x="6491289" y="2714388"/>
             <a:ext cx="4086225" cy="3095625"/>
+          </a:xfrm>
+          <a:prstGeom prst="rect">
+            <a:avLst/>
+          </a:prstGeom>
+        </p:spPr>
+      </p:pic>
+      <p:pic>
+        <p:nvPicPr>
+          <p:cNvPr id="9" name="Picture 8" descr="Icon&#10;&#10;Description automatically generated">
+            <a:extLst>
+              <a:ext uri="{FF2B5EF4-FFF2-40B4-BE49-F238E27FC236}">
+                <a16:creationId xmlns:a16="http://schemas.microsoft.com/office/drawing/2014/main" id="{18D673A3-67EB-4413-881F-4174E29F3E73}"/>
+              </a:ext>
+            </a:extLst>
+          </p:cNvPr>
+          <p:cNvPicPr>
+            <a:picLocks noChangeAspect="1"/>
+          </p:cNvPicPr>
+          <p:nvPr/>
+        </p:nvPicPr>
+        <p:blipFill>
+          <a:blip r:embed="rId5">
+            <a:extLst>
+              <a:ext uri="{28A0092B-C50C-407E-A947-70E740481C1C}">
+                <a14:useLocalDpi xmlns:a14="http://schemas.microsoft.com/office/drawing/2010/main" val="0"/>
+              </a:ext>
+              <a:ext uri="{837473B0-CC2E-450A-ABE3-18F120FF3D39}">
+                <a1611:picAttrSrcUrl xmlns:a1611="http://schemas.microsoft.com/office/drawing/2016/11/main" r:id="rId6"/>
+              </a:ext>
+            </a:extLst>
+          </a:blip>
+          <a:stretch>
+            <a:fillRect/>
+          </a:stretch>
+        </p:blipFill>
+        <p:spPr>
+          <a:xfrm>
+            <a:off x="10743731" y="365125"/>
+            <a:ext cx="1220138" cy="1220138"/>
           </a:xfrm>
           <a:prstGeom prst="rect">
             <a:avLst/>
@@ -4864,39 +4980,146 @@
           <a:chExt cx="0" cy="0"/>
         </a:xfrm>
       </p:grpSpPr>
-      <p:sp>
-        <p:nvSpPr>
-          <p:cNvPr id="2" name="Title 1">
-            <a:extLst>
-              <a:ext uri="{FF2B5EF4-FFF2-40B4-BE49-F238E27FC236}">
-                <a16:creationId xmlns:a16="http://schemas.microsoft.com/office/drawing/2014/main" id="{6E84058C-2290-409F-B475-E7A8CA7CC116}"/>
-              </a:ext>
-            </a:extLst>
-          </p:cNvPr>
-          <p:cNvSpPr>
-            <a:spLocks noGrp="1"/>
-          </p:cNvSpPr>
-          <p:nvPr>
-            <p:ph type="title"/>
-          </p:nvPr>
-        </p:nvSpPr>
-        <p:spPr>
-          <a:xfrm>
-            <a:off x="838200" y="346075"/>
-            <a:ext cx="10515600" cy="1325563"/>
-          </a:xfrm>
-        </p:spPr>
-        <p:txBody>
-          <a:bodyPr/>
-          <a:lstStyle/>
-          <a:p>
-            <a:r>
-              <a:rPr lang="sv-SE" dirty="0"/>
-              <a:t>Semi-faktoriseringsfunktion</a:t>
-            </a:r>
-          </a:p>
-        </p:txBody>
-      </p:sp>
+      <mc:AlternateContent xmlns:mc="http://schemas.openxmlformats.org/markup-compatibility/2006">
+        <mc:Choice xmlns:a14="http://schemas.microsoft.com/office/drawing/2010/main" Requires="a14">
+          <p:sp>
+            <p:nvSpPr>
+              <p:cNvPr id="2" name="Title 1">
+                <a:extLst>
+                  <a:ext uri="{FF2B5EF4-FFF2-40B4-BE49-F238E27FC236}">
+                    <a16:creationId xmlns:a16="http://schemas.microsoft.com/office/drawing/2014/main" id="{6E84058C-2290-409F-B475-E7A8CA7CC116}"/>
+                  </a:ext>
+                </a:extLst>
+              </p:cNvPr>
+              <p:cNvSpPr>
+                <a:spLocks noGrp="1"/>
+              </p:cNvSpPr>
+              <p:nvPr>
+                <p:ph type="title"/>
+              </p:nvPr>
+            </p:nvSpPr>
+            <p:spPr>
+              <a:xfrm>
+                <a:off x="838200" y="346075"/>
+                <a:ext cx="10515600" cy="1325563"/>
+              </a:xfrm>
+            </p:spPr>
+            <p:txBody>
+              <a:bodyPr/>
+              <a:lstStyle/>
+              <a:p>
+                <a14:m>
+                  <m:oMathPara xmlns:m="http://schemas.openxmlformats.org/officeDocument/2006/math">
+                    <m:oMathParaPr>
+                      <m:jc m:val="centerGroup"/>
+                    </m:oMathParaPr>
+                    <m:oMath xmlns:m="http://schemas.openxmlformats.org/officeDocument/2006/math">
+                      <m:sSup>
+                        <m:sSupPr>
+                          <m:ctrlPr>
+                            <a:rPr lang="sv-SE" i="1" smtClean="0">
+                              <a:latin typeface="Cambria Math" panose="02040503050406030204" pitchFamily="18" charset="0"/>
+                            </a:rPr>
+                          </m:ctrlPr>
+                        </m:sSupPr>
+                        <m:e>
+                          <m:r>
+                            <a:rPr lang="sv-SE" b="0" i="1" smtClean="0">
+                              <a:latin typeface="Cambria Math" panose="02040503050406030204" pitchFamily="18" charset="0"/>
+                            </a:rPr>
+                            <m:t>𝑓</m:t>
+                          </m:r>
+                          <m:d>
+                            <m:dPr>
+                              <m:ctrlPr>
+                                <a:rPr lang="sv-SE" b="0" i="1" smtClean="0">
+                                  <a:latin typeface="Cambria Math" panose="02040503050406030204" pitchFamily="18" charset="0"/>
+                                </a:rPr>
+                              </m:ctrlPr>
+                            </m:dPr>
+                            <m:e>
+                              <m:r>
+                                <a:rPr lang="sv-SE" b="0" i="1" smtClean="0">
+                                  <a:latin typeface="Cambria Math" panose="02040503050406030204" pitchFamily="18" charset="0"/>
+                                </a:rPr>
+                                <m:t>𝑥</m:t>
+                              </m:r>
+                            </m:e>
+                          </m:d>
+                          <m:r>
+                            <a:rPr lang="sv-SE" b="0" i="1" smtClean="0">
+                              <a:latin typeface="Cambria Math" panose="02040503050406030204" pitchFamily="18" charset="0"/>
+                            </a:rPr>
+                            <m:t>=</m:t>
+                          </m:r>
+                          <m:r>
+                            <a:rPr lang="sv-SE" i="1">
+                              <a:latin typeface="Cambria Math" panose="02040503050406030204" pitchFamily="18" charset="0"/>
+                            </a:rPr>
+                            <m:t>𝑥</m:t>
+                          </m:r>
+                        </m:e>
+                        <m:sup>
+                          <m:r>
+                            <a:rPr lang="sv-SE" i="1">
+                              <a:latin typeface="Cambria Math" panose="02040503050406030204" pitchFamily="18" charset="0"/>
+                            </a:rPr>
+                            <m:t>𝑏</m:t>
+                          </m:r>
+                        </m:sup>
+                      </m:sSup>
+                    </m:oMath>
+                  </m:oMathPara>
+                </a14:m>
+                <a:endParaRPr lang="sv-SE" dirty="0"/>
+              </a:p>
+            </p:txBody>
+          </p:sp>
+        </mc:Choice>
+        <mc:Fallback>
+          <p:sp>
+            <p:nvSpPr>
+              <p:cNvPr id="2" name="Title 1">
+                <a:extLst>
+                  <a:ext uri="{FF2B5EF4-FFF2-40B4-BE49-F238E27FC236}">
+                    <a16:creationId xmlns:a16="http://schemas.microsoft.com/office/drawing/2014/main" id="{6E84058C-2290-409F-B475-E7A8CA7CC116}"/>
+                  </a:ext>
+                </a:extLst>
+              </p:cNvPr>
+              <p:cNvSpPr>
+                <a:spLocks noGrp="1" noRot="1" noChangeAspect="1" noMove="1" noResize="1" noEditPoints="1" noAdjustHandles="1" noChangeArrowheads="1" noChangeShapeType="1" noTextEdit="1"/>
+              </p:cNvSpPr>
+              <p:nvPr>
+                <p:ph type="title"/>
+              </p:nvPr>
+            </p:nvSpPr>
+            <p:spPr>
+              <a:xfrm>
+                <a:off x="838200" y="346075"/>
+                <a:ext cx="10515600" cy="1325563"/>
+              </a:xfrm>
+              <a:blipFill>
+                <a:blip r:embed="rId2"/>
+                <a:stretch>
+                  <a:fillRect/>
+                </a:stretch>
+              </a:blipFill>
+            </p:spPr>
+            <p:txBody>
+              <a:bodyPr/>
+              <a:lstStyle/>
+              <a:p>
+                <a:r>
+                  <a:rPr lang="sv-SE">
+                    <a:noFill/>
+                  </a:rPr>
+                  <a:t> </a:t>
+                </a:r>
+              </a:p>
+            </p:txBody>
+          </p:sp>
+        </mc:Fallback>
+      </mc:AlternateContent>
       <p:sp>
         <p:nvSpPr>
           <p:cNvPr id="3" name="Content Placeholder 2">
@@ -5010,7 +5233,7 @@
           <p:nvPr/>
         </p:nvPicPr>
         <p:blipFill>
-          <a:blip r:embed="rId2"/>
+          <a:blip r:embed="rId3"/>
           <a:stretch>
             <a:fillRect/>
           </a:stretch>
@@ -5040,7 +5263,7 @@
           <p:nvPr/>
         </p:nvPicPr>
         <p:blipFill>
-          <a:blip r:embed="rId3"/>
+          <a:blip r:embed="rId4"/>
           <a:stretch>
             <a:fillRect/>
           </a:stretch>
@@ -5070,7 +5293,7 @@
           <p:nvPr/>
         </p:nvPicPr>
         <p:blipFill>
-          <a:blip r:embed="rId4"/>
+          <a:blip r:embed="rId5"/>
           <a:stretch>
             <a:fillRect/>
           </a:stretch>
@@ -5100,7 +5323,7 @@
           <p:nvPr/>
         </p:nvPicPr>
         <p:blipFill>
-          <a:blip r:embed="rId5"/>
+          <a:blip r:embed="rId6"/>
           <a:stretch>
             <a:fillRect/>
           </a:stretch>
@@ -5130,7 +5353,7 @@
           <p:nvPr/>
         </p:nvPicPr>
         <p:blipFill>
-          <a:blip r:embed="rId6"/>
+          <a:blip r:embed="rId7"/>
           <a:stretch>
             <a:fillRect/>
           </a:stretch>
@@ -5139,6 +5362,45 @@
           <a:xfrm>
             <a:off x="7238651" y="4759098"/>
             <a:ext cx="3048350" cy="1966831"/>
+          </a:xfrm>
+          <a:prstGeom prst="rect">
+            <a:avLst/>
+          </a:prstGeom>
+        </p:spPr>
+      </p:pic>
+      <p:pic>
+        <p:nvPicPr>
+          <p:cNvPr id="12" name="Picture 11" descr="Icon&#10;&#10;Description automatically generated">
+            <a:extLst>
+              <a:ext uri="{FF2B5EF4-FFF2-40B4-BE49-F238E27FC236}">
+                <a16:creationId xmlns:a16="http://schemas.microsoft.com/office/drawing/2014/main" id="{75AFE911-B24B-4395-B69A-16857A0D533E}"/>
+              </a:ext>
+            </a:extLst>
+          </p:cNvPr>
+          <p:cNvPicPr>
+            <a:picLocks noChangeAspect="1"/>
+          </p:cNvPicPr>
+          <p:nvPr/>
+        </p:nvPicPr>
+        <p:blipFill>
+          <a:blip r:embed="rId8">
+            <a:extLst>
+              <a:ext uri="{28A0092B-C50C-407E-A947-70E740481C1C}">
+                <a14:useLocalDpi xmlns:a14="http://schemas.microsoft.com/office/drawing/2010/main" val="0"/>
+              </a:ext>
+              <a:ext uri="{837473B0-CC2E-450A-ABE3-18F120FF3D39}">
+                <a1611:picAttrSrcUrl xmlns:a1611="http://schemas.microsoft.com/office/drawing/2016/11/main" r:id="rId9"/>
+              </a:ext>
+            </a:extLst>
+          </a:blip>
+          <a:stretch>
+            <a:fillRect/>
+          </a:stretch>
+        </p:blipFill>
+        <p:spPr>
+          <a:xfrm>
+            <a:off x="10743731" y="365125"/>
+            <a:ext cx="1220138" cy="1220138"/>
           </a:xfrm>
           <a:prstGeom prst="rect">
             <a:avLst/>
@@ -5175,12 +5437,207 @@
           <a:chExt cx="0" cy="0"/>
         </a:xfrm>
       </p:grpSpPr>
+      <mc:AlternateContent xmlns:mc="http://schemas.openxmlformats.org/markup-compatibility/2006">
+        <mc:Choice xmlns:a14="http://schemas.microsoft.com/office/drawing/2010/main" Requires="a14">
+          <p:sp>
+            <p:nvSpPr>
+              <p:cNvPr id="2" name="Title 1">
+                <a:extLst>
+                  <a:ext uri="{FF2B5EF4-FFF2-40B4-BE49-F238E27FC236}">
+                    <a16:creationId xmlns:a16="http://schemas.microsoft.com/office/drawing/2014/main" id="{8A89EBBF-2D2E-446E-A82C-95DC7563CD1E}"/>
+                  </a:ext>
+                </a:extLst>
+              </p:cNvPr>
+              <p:cNvSpPr>
+                <a:spLocks noGrp="1"/>
+              </p:cNvSpPr>
+              <p:nvPr>
+                <p:ph type="title"/>
+              </p:nvPr>
+            </p:nvSpPr>
+            <p:spPr>
+              <a:xfrm>
+                <a:off x="0" y="365125"/>
+                <a:ext cx="11353800" cy="1325563"/>
+              </a:xfrm>
+            </p:spPr>
+            <p:txBody>
+              <a:bodyPr/>
+              <a:lstStyle/>
+              <a:p>
+                <a:r>
+                  <a:rPr lang="sv-SE" dirty="0"/>
+                  <a:t>Semi-faktoriseringsfunktion </a:t>
+                </a:r>
+                <a14:m>
+                  <m:oMath xmlns:m="http://schemas.openxmlformats.org/officeDocument/2006/math">
+                    <m:sSup>
+                      <m:sSupPr>
+                        <m:ctrlPr>
+                          <a:rPr lang="sv-SE" i="1">
+                            <a:latin typeface="Cambria Math" panose="02040503050406030204" pitchFamily="18" charset="0"/>
+                          </a:rPr>
+                        </m:ctrlPr>
+                      </m:sSupPr>
+                      <m:e>
+                        <m:r>
+                          <a:rPr lang="sv-SE" i="1">
+                            <a:latin typeface="Cambria Math" panose="02040503050406030204" pitchFamily="18" charset="0"/>
+                          </a:rPr>
+                          <m:t>𝑓</m:t>
+                        </m:r>
+                        <m:d>
+                          <m:dPr>
+                            <m:ctrlPr>
+                              <a:rPr lang="sv-SE" i="1">
+                                <a:latin typeface="Cambria Math" panose="02040503050406030204" pitchFamily="18" charset="0"/>
+                              </a:rPr>
+                            </m:ctrlPr>
+                          </m:dPr>
+                          <m:e>
+                            <m:r>
+                              <a:rPr lang="sv-SE" i="1">
+                                <a:latin typeface="Cambria Math" panose="02040503050406030204" pitchFamily="18" charset="0"/>
+                              </a:rPr>
+                              <m:t>𝑥</m:t>
+                            </m:r>
+                          </m:e>
+                        </m:d>
+                        <m:r>
+                          <a:rPr lang="sv-SE" i="1">
+                            <a:latin typeface="Cambria Math" panose="02040503050406030204" pitchFamily="18" charset="0"/>
+                          </a:rPr>
+                          <m:t>=(</m:t>
+                        </m:r>
+                        <m:sSup>
+                          <m:sSupPr>
+                            <m:ctrlPr>
+                              <a:rPr lang="sv-SE" i="1">
+                                <a:latin typeface="Cambria Math" panose="02040503050406030204" pitchFamily="18" charset="0"/>
+                              </a:rPr>
+                            </m:ctrlPr>
+                          </m:sSupPr>
+                          <m:e>
+                            <m:r>
+                              <a:rPr lang="sv-SE" i="1">
+                                <a:latin typeface="Cambria Math" panose="02040503050406030204" pitchFamily="18" charset="0"/>
+                              </a:rPr>
+                              <m:t>𝑥</m:t>
+                            </m:r>
+                          </m:e>
+                          <m:sup>
+                            <m:r>
+                              <a:rPr lang="sv-SE" i="1">
+                                <a:latin typeface="Cambria Math" panose="02040503050406030204" pitchFamily="18" charset="0"/>
+                              </a:rPr>
+                              <m:t>𝑥</m:t>
+                            </m:r>
+                          </m:sup>
+                        </m:sSup>
+                        <m:r>
+                          <a:rPr lang="sv-SE" i="1">
+                            <a:latin typeface="Cambria Math" panose="02040503050406030204" pitchFamily="18" charset="0"/>
+                          </a:rPr>
+                          <m:t>)</m:t>
+                        </m:r>
+                      </m:e>
+                      <m:sup>
+                        <m:r>
+                          <a:rPr lang="sv-SE" i="1">
+                            <a:latin typeface="Cambria Math" panose="02040503050406030204" pitchFamily="18" charset="0"/>
+                          </a:rPr>
+                          <m:t>𝑎</m:t>
+                        </m:r>
+                      </m:sup>
+                    </m:sSup>
+                    <m:r>
+                      <a:rPr lang="sv-SE" i="1">
+                        <a:latin typeface="Cambria Math" panose="02040503050406030204" pitchFamily="18" charset="0"/>
+                      </a:rPr>
+                      <m:t>∗</m:t>
+                    </m:r>
+                    <m:sSup>
+                      <m:sSupPr>
+                        <m:ctrlPr>
+                          <a:rPr lang="sv-SE" i="1">
+                            <a:latin typeface="Cambria Math" panose="02040503050406030204" pitchFamily="18" charset="0"/>
+                          </a:rPr>
+                        </m:ctrlPr>
+                      </m:sSupPr>
+                      <m:e>
+                        <m:r>
+                          <a:rPr lang="sv-SE" i="1">
+                            <a:latin typeface="Cambria Math" panose="02040503050406030204" pitchFamily="18" charset="0"/>
+                          </a:rPr>
+                          <m:t>𝑥</m:t>
+                        </m:r>
+                      </m:e>
+                      <m:sup>
+                        <m:r>
+                          <a:rPr lang="sv-SE" i="1">
+                            <a:latin typeface="Cambria Math" panose="02040503050406030204" pitchFamily="18" charset="0"/>
+                          </a:rPr>
+                          <m:t>𝑏</m:t>
+                        </m:r>
+                      </m:sup>
+                    </m:sSup>
+                  </m:oMath>
+                </a14:m>
+                <a:endParaRPr lang="sv-SE" dirty="0"/>
+              </a:p>
+            </p:txBody>
+          </p:sp>
+        </mc:Choice>
+        <mc:Fallback>
+          <p:sp>
+            <p:nvSpPr>
+              <p:cNvPr id="2" name="Title 1">
+                <a:extLst>
+                  <a:ext uri="{FF2B5EF4-FFF2-40B4-BE49-F238E27FC236}">
+                    <a16:creationId xmlns:a16="http://schemas.microsoft.com/office/drawing/2014/main" id="{8A89EBBF-2D2E-446E-A82C-95DC7563CD1E}"/>
+                  </a:ext>
+                </a:extLst>
+              </p:cNvPr>
+              <p:cNvSpPr>
+                <a:spLocks noGrp="1" noRot="1" noChangeAspect="1" noMove="1" noResize="1" noEditPoints="1" noAdjustHandles="1" noChangeArrowheads="1" noChangeShapeType="1" noTextEdit="1"/>
+              </p:cNvSpPr>
+              <p:nvPr>
+                <p:ph type="title"/>
+              </p:nvPr>
+            </p:nvSpPr>
+            <p:spPr>
+              <a:xfrm>
+                <a:off x="0" y="365125"/>
+                <a:ext cx="11353800" cy="1325563"/>
+              </a:xfrm>
+              <a:blipFill>
+                <a:blip r:embed="rId2"/>
+                <a:stretch>
+                  <a:fillRect l="-2147"/>
+                </a:stretch>
+              </a:blipFill>
+            </p:spPr>
+            <p:txBody>
+              <a:bodyPr/>
+              <a:lstStyle/>
+              <a:p>
+                <a:r>
+                  <a:rPr lang="sv-SE">
+                    <a:noFill/>
+                  </a:rPr>
+                  <a:t> </a:t>
+                </a:r>
+              </a:p>
+            </p:txBody>
+          </p:sp>
+        </mc:Fallback>
+      </mc:AlternateContent>
       <p:sp>
         <p:nvSpPr>
-          <p:cNvPr id="2" name="Title 1">
-            <a:extLst>
-              <a:ext uri="{FF2B5EF4-FFF2-40B4-BE49-F238E27FC236}">
-                <a16:creationId xmlns:a16="http://schemas.microsoft.com/office/drawing/2014/main" id="{8A89EBBF-2D2E-446E-A82C-95DC7563CD1E}"/>
+          <p:cNvPr id="3" name="Content Placeholder 2">
+            <a:extLst>
+              <a:ext uri="{FF2B5EF4-FFF2-40B4-BE49-F238E27FC236}">
+                <a16:creationId xmlns:a16="http://schemas.microsoft.com/office/drawing/2014/main" id="{C52C5F28-D0DE-4F92-B48F-2BBF04333646}"/>
               </a:ext>
             </a:extLst>
           </p:cNvPr>
@@ -5188,7 +5645,7 @@
             <a:spLocks noGrp="1"/>
           </p:cNvSpPr>
           <p:nvPr>
-            <p:ph type="title"/>
+            <p:ph sz="half" idx="1"/>
           </p:nvPr>
         </p:nvSpPr>
         <p:spPr/>
@@ -5198,17 +5655,32 @@
           <a:p>
             <a:r>
               <a:rPr lang="sv-SE" dirty="0"/>
-              <a:t>Semi-faktoriseringsfunktion</a:t>
+              <a:t>a &gt; 0 &amp; b &gt; 0</a:t>
+            </a:r>
+          </a:p>
+          <a:p>
+            <a:endParaRPr lang="sv-SE" dirty="0"/>
+          </a:p>
+          <a:p>
+            <a:endParaRPr lang="sv-SE" dirty="0"/>
+          </a:p>
+          <a:p>
+            <a:endParaRPr lang="sv-SE" dirty="0"/>
+          </a:p>
+          <a:p>
+            <a:r>
+              <a:rPr lang="sv-SE" dirty="0"/>
+              <a:t>a &gt; 0 &amp; b &lt; 0</a:t>
             </a:r>
           </a:p>
         </p:txBody>
       </p:sp>
       <p:sp>
         <p:nvSpPr>
-          <p:cNvPr id="5" name="Content Placeholder 4">
-            <a:extLst>
-              <a:ext uri="{FF2B5EF4-FFF2-40B4-BE49-F238E27FC236}">
-                <a16:creationId xmlns:a16="http://schemas.microsoft.com/office/drawing/2014/main" id="{EFFA5176-A76F-4B28-9949-3F402B63E926}"/>
+          <p:cNvPr id="4" name="Content Placeholder 3">
+            <a:extLst>
+              <a:ext uri="{FF2B5EF4-FFF2-40B4-BE49-F238E27FC236}">
+                <a16:creationId xmlns:a16="http://schemas.microsoft.com/office/drawing/2014/main" id="{8E4C8C6E-38D7-4904-9B27-EE860A211A9F}"/>
               </a:ext>
             </a:extLst>
           </p:cNvPr>
@@ -5216,7 +5688,7 @@
             <a:spLocks noGrp="1"/>
           </p:cNvSpPr>
           <p:nvPr>
-            <p:ph idx="1"/>
+            <p:ph sz="half" idx="2"/>
           </p:nvPr>
         </p:nvSpPr>
         <p:spPr/>
@@ -5224,10 +5696,187 @@
           <a:bodyPr/>
           <a:lstStyle/>
           <a:p>
+            <a:r>
+              <a:rPr lang="sv-SE" dirty="0"/>
+              <a:t>a &lt; 0 &amp; b &gt; 0</a:t>
+            </a:r>
+          </a:p>
+          <a:p>
             <a:endParaRPr lang="sv-SE" dirty="0"/>
+          </a:p>
+          <a:p>
+            <a:endParaRPr lang="sv-SE" dirty="0"/>
+          </a:p>
+          <a:p>
+            <a:endParaRPr lang="sv-SE" dirty="0"/>
+          </a:p>
+          <a:p>
+            <a:r>
+              <a:rPr lang="sv-SE" dirty="0"/>
+              <a:t>a &lt; 0 &amp; b &lt; 0</a:t>
+            </a:r>
           </a:p>
         </p:txBody>
       </p:sp>
+      <p:pic>
+        <p:nvPicPr>
+          <p:cNvPr id="6" name="Picture 5">
+            <a:extLst>
+              <a:ext uri="{FF2B5EF4-FFF2-40B4-BE49-F238E27FC236}">
+                <a16:creationId xmlns:a16="http://schemas.microsoft.com/office/drawing/2014/main" id="{1447FFE6-79D7-4E36-980C-BB7AE446DE45}"/>
+              </a:ext>
+            </a:extLst>
+          </p:cNvPr>
+          <p:cNvPicPr>
+            <a:picLocks noChangeAspect="1"/>
+          </p:cNvPicPr>
+          <p:nvPr/>
+        </p:nvPicPr>
+        <p:blipFill>
+          <a:blip r:embed="rId3"/>
+          <a:stretch>
+            <a:fillRect/>
+          </a:stretch>
+        </p:blipFill>
+        <p:spPr>
+          <a:xfrm>
+            <a:off x="3429000" y="1825624"/>
+            <a:ext cx="1797518" cy="1851851"/>
+          </a:xfrm>
+          <a:prstGeom prst="rect">
+            <a:avLst/>
+          </a:prstGeom>
+        </p:spPr>
+      </p:pic>
+      <p:pic>
+        <p:nvPicPr>
+          <p:cNvPr id="7" name="Picture 6">
+            <a:extLst>
+              <a:ext uri="{FF2B5EF4-FFF2-40B4-BE49-F238E27FC236}">
+                <a16:creationId xmlns:a16="http://schemas.microsoft.com/office/drawing/2014/main" id="{23F3F685-A2D2-422D-8BE8-762DDF030515}"/>
+              </a:ext>
+            </a:extLst>
+          </p:cNvPr>
+          <p:cNvPicPr>
+            <a:picLocks noChangeAspect="1"/>
+          </p:cNvPicPr>
+          <p:nvPr/>
+        </p:nvPicPr>
+        <p:blipFill>
+          <a:blip r:embed="rId4"/>
+          <a:stretch>
+            <a:fillRect/>
+          </a:stretch>
+        </p:blipFill>
+        <p:spPr>
+          <a:xfrm>
+            <a:off x="3429000" y="4414242"/>
+            <a:ext cx="1797518" cy="1897658"/>
+          </a:xfrm>
+          <a:prstGeom prst="rect">
+            <a:avLst/>
+          </a:prstGeom>
+        </p:spPr>
+      </p:pic>
+      <p:pic>
+        <p:nvPicPr>
+          <p:cNvPr id="8" name="Picture 7">
+            <a:extLst>
+              <a:ext uri="{FF2B5EF4-FFF2-40B4-BE49-F238E27FC236}">
+                <a16:creationId xmlns:a16="http://schemas.microsoft.com/office/drawing/2014/main" id="{1575C39B-0267-4E62-AA5D-64695F96CB13}"/>
+              </a:ext>
+            </a:extLst>
+          </p:cNvPr>
+          <p:cNvPicPr>
+            <a:picLocks noChangeAspect="1"/>
+          </p:cNvPicPr>
+          <p:nvPr/>
+        </p:nvPicPr>
+        <p:blipFill>
+          <a:blip r:embed="rId5"/>
+          <a:stretch>
+            <a:fillRect/>
+          </a:stretch>
+        </p:blipFill>
+        <p:spPr>
+          <a:xfrm>
+            <a:off x="8993204" y="1825624"/>
+            <a:ext cx="2159835" cy="1851851"/>
+          </a:xfrm>
+          <a:prstGeom prst="rect">
+            <a:avLst/>
+          </a:prstGeom>
+        </p:spPr>
+      </p:pic>
+      <p:pic>
+        <p:nvPicPr>
+          <p:cNvPr id="9" name="Picture 8">
+            <a:extLst>
+              <a:ext uri="{FF2B5EF4-FFF2-40B4-BE49-F238E27FC236}">
+                <a16:creationId xmlns:a16="http://schemas.microsoft.com/office/drawing/2014/main" id="{2E86DE71-F397-4F47-B0F1-D066C5BA158A}"/>
+              </a:ext>
+            </a:extLst>
+          </p:cNvPr>
+          <p:cNvPicPr>
+            <a:picLocks noChangeAspect="1"/>
+          </p:cNvPicPr>
+          <p:nvPr/>
+        </p:nvPicPr>
+        <p:blipFill>
+          <a:blip r:embed="rId6"/>
+          <a:stretch>
+            <a:fillRect/>
+          </a:stretch>
+        </p:blipFill>
+        <p:spPr>
+          <a:xfrm>
+            <a:off x="8993205" y="4414242"/>
+            <a:ext cx="2238810" cy="1897658"/>
+          </a:xfrm>
+          <a:prstGeom prst="rect">
+            <a:avLst/>
+          </a:prstGeom>
+        </p:spPr>
+      </p:pic>
+      <p:pic>
+        <p:nvPicPr>
+          <p:cNvPr id="10" name="Picture 9" descr="Icon&#10;&#10;Description automatically generated">
+            <a:extLst>
+              <a:ext uri="{FF2B5EF4-FFF2-40B4-BE49-F238E27FC236}">
+                <a16:creationId xmlns:a16="http://schemas.microsoft.com/office/drawing/2014/main" id="{F2EAA305-E077-41DE-B561-A1418A074C41}"/>
+              </a:ext>
+            </a:extLst>
+          </p:cNvPr>
+          <p:cNvPicPr>
+            <a:picLocks noChangeAspect="1"/>
+          </p:cNvPicPr>
+          <p:nvPr/>
+        </p:nvPicPr>
+        <p:blipFill>
+          <a:blip r:embed="rId7">
+            <a:extLst>
+              <a:ext uri="{28A0092B-C50C-407E-A947-70E740481C1C}">
+                <a14:useLocalDpi xmlns:a14="http://schemas.microsoft.com/office/drawing/2010/main" val="0"/>
+              </a:ext>
+              <a:ext uri="{837473B0-CC2E-450A-ABE3-18F120FF3D39}">
+                <a1611:picAttrSrcUrl xmlns:a1611="http://schemas.microsoft.com/office/drawing/2016/11/main" r:id="rId8"/>
+              </a:ext>
+            </a:extLst>
+          </a:blip>
+          <a:stretch>
+            <a:fillRect/>
+          </a:stretch>
+        </p:blipFill>
+        <p:spPr>
+          <a:xfrm>
+            <a:off x="10743731" y="365125"/>
+            <a:ext cx="1220138" cy="1220138"/>
+          </a:xfrm>
+          <a:prstGeom prst="rect">
+            <a:avLst/>
+          </a:prstGeom>
+        </p:spPr>
+      </p:pic>
     </p:spTree>
     <p:extLst>
       <p:ext uri="{BB962C8B-B14F-4D97-AF65-F5344CB8AC3E}">
@@ -5330,7 +5979,7 @@
         </p:nvSpPr>
         <p:spPr>
           <a:xfrm>
-            <a:off x="-66672" y="1065862"/>
+            <a:off x="-66672" y="1694512"/>
             <a:ext cx="6957827" cy="4726276"/>
           </a:xfrm>
         </p:spPr>
@@ -5392,7 +6041,7 @@
         </p:nvSpPr>
         <p:spPr>
           <a:xfrm>
-            <a:off x="1428755" y="1162050"/>
+            <a:off x="1033671" y="1694512"/>
             <a:ext cx="5671938" cy="1552575"/>
           </a:xfrm>
           <a:prstGeom prst="rect">
@@ -5667,7 +6316,7 @@
         </p:blipFill>
         <p:spPr>
           <a:xfrm>
-            <a:off x="29423" y="2239206"/>
+            <a:off x="29423" y="2867856"/>
             <a:ext cx="1189794" cy="1189794"/>
           </a:xfrm>
           <a:prstGeom prst="rect">
@@ -5733,49 +6382,160 @@
           </a:p>
         </p:txBody>
       </p:sp>
-      <p:sp>
-        <p:nvSpPr>
-          <p:cNvPr id="3" name="Content Placeholder 2">
-            <a:extLst>
-              <a:ext uri="{FF2B5EF4-FFF2-40B4-BE49-F238E27FC236}">
-                <a16:creationId xmlns:a16="http://schemas.microsoft.com/office/drawing/2014/main" id="{4106FEA2-0BF3-433C-BBFA-31EB6BB1BED9}"/>
-              </a:ext>
-            </a:extLst>
-          </p:cNvPr>
-          <p:cNvSpPr>
-            <a:spLocks noGrp="1"/>
-          </p:cNvSpPr>
-          <p:nvPr>
-            <p:ph idx="1"/>
-          </p:nvPr>
-        </p:nvSpPr>
-        <p:spPr/>
-        <p:txBody>
-          <a:bodyPr/>
-          <a:lstStyle/>
-          <a:p>
-            <a:r>
-              <a:rPr lang="sv-SE" dirty="0"/>
-              <a:t>En ny chifferalgoritm av avbildning</a:t>
-            </a:r>
-          </a:p>
-          <a:p>
-            <a:r>
-              <a:rPr lang="sv-SE" dirty="0"/>
-              <a:t>Funktionen används då av semi-faktoriseringsfunktion</a:t>
-            </a:r>
-          </a:p>
-          <a:p>
-            <a:r>
-              <a:rPr lang="sv-SE" dirty="0"/>
-              <a:t>Den kommer då att se ut ... –inte klar-</a:t>
-            </a:r>
-          </a:p>
-          <a:p>
-            <a:endParaRPr lang="sv-SE" dirty="0"/>
-          </a:p>
-        </p:txBody>
-      </p:sp>
+      <mc:AlternateContent xmlns:mc="http://schemas.openxmlformats.org/markup-compatibility/2006">
+        <mc:Choice xmlns:a14="http://schemas.microsoft.com/office/drawing/2010/main" Requires="a14">
+          <p:sp>
+            <p:nvSpPr>
+              <p:cNvPr id="3" name="Content Placeholder 2">
+                <a:extLst>
+                  <a:ext uri="{FF2B5EF4-FFF2-40B4-BE49-F238E27FC236}">
+                    <a16:creationId xmlns:a16="http://schemas.microsoft.com/office/drawing/2014/main" id="{4106FEA2-0BF3-433C-BBFA-31EB6BB1BED9}"/>
+                  </a:ext>
+                </a:extLst>
+              </p:cNvPr>
+              <p:cNvSpPr>
+                <a:spLocks noGrp="1"/>
+              </p:cNvSpPr>
+              <p:nvPr>
+                <p:ph idx="1"/>
+              </p:nvPr>
+            </p:nvSpPr>
+            <p:spPr/>
+            <p:txBody>
+              <a:bodyPr/>
+              <a:lstStyle/>
+              <a:p>
+                <a:r>
+                  <a:rPr lang="sv-SE" dirty="0"/>
+                  <a:t>En ny chifferalgoritm av avbildning</a:t>
+                </a:r>
+              </a:p>
+              <a:p>
+                <a:r>
+                  <a:rPr lang="sv-SE" dirty="0"/>
+                  <a:t>Funktionen används då av semi-faktoriseringsfunktion</a:t>
+                </a:r>
+              </a:p>
+              <a:p>
+                <a:r>
+                  <a:rPr lang="sv-SE" dirty="0"/>
+                  <a:t>Den kommer då att se ut </a:t>
+                </a:r>
+                <a14:m>
+                  <m:oMath xmlns:m="http://schemas.openxmlformats.org/officeDocument/2006/math">
+                    <m:r>
+                      <a:rPr lang="sv-SE" b="0" i="1" smtClean="0">
+                        <a:latin typeface="Cambria Math" panose="02040503050406030204" pitchFamily="18" charset="0"/>
+                      </a:rPr>
+                      <m:t>𝑓</m:t>
+                    </m:r>
+                    <m:d>
+                      <m:dPr>
+                        <m:ctrlPr>
+                          <a:rPr lang="sv-SE" b="0" i="1" smtClean="0">
+                            <a:latin typeface="Cambria Math" panose="02040503050406030204" pitchFamily="18" charset="0"/>
+                          </a:rPr>
+                        </m:ctrlPr>
+                      </m:dPr>
+                      <m:e>
+                        <m:r>
+                          <a:rPr lang="sv-SE" b="0" i="1" smtClean="0">
+                            <a:latin typeface="Cambria Math" panose="02040503050406030204" pitchFamily="18" charset="0"/>
+                          </a:rPr>
+                          <m:t>𝑥</m:t>
+                        </m:r>
+                      </m:e>
+                    </m:d>
+                    <m:r>
+                      <a:rPr lang="sv-SE" b="0" i="1" smtClean="0">
+                        <a:latin typeface="Cambria Math" panose="02040503050406030204" pitchFamily="18" charset="0"/>
+                      </a:rPr>
+                      <m:t>=</m:t>
+                    </m:r>
+                    <m:sSup>
+                      <m:sSupPr>
+                        <m:ctrlPr>
+                          <a:rPr lang="sv-SE" b="0" i="1" smtClean="0">
+                            <a:latin typeface="Cambria Math" panose="02040503050406030204" pitchFamily="18" charset="0"/>
+                          </a:rPr>
+                        </m:ctrlPr>
+                      </m:sSupPr>
+                      <m:e>
+                        <m:r>
+                          <a:rPr lang="sv-SE" b="0" i="1" smtClean="0">
+                            <a:latin typeface="Cambria Math" panose="02040503050406030204" pitchFamily="18" charset="0"/>
+                          </a:rPr>
+                          <m:t>𝑥</m:t>
+                        </m:r>
+                      </m:e>
+                      <m:sup>
+                        <m:r>
+                          <a:rPr lang="sv-SE" b="0" i="1" smtClean="0">
+                            <a:latin typeface="Cambria Math" panose="02040503050406030204" pitchFamily="18" charset="0"/>
+                          </a:rPr>
+                          <m:t>(−</m:t>
+                        </m:r>
+                        <m:r>
+                          <a:rPr lang="sv-SE" b="0" i="1" smtClean="0">
+                            <a:latin typeface="Cambria Math" panose="02040503050406030204" pitchFamily="18" charset="0"/>
+                          </a:rPr>
+                          <m:t>𝑥</m:t>
+                        </m:r>
+                        <m:r>
+                          <a:rPr lang="sv-SE" b="0" i="1" smtClean="0">
+                            <a:latin typeface="Cambria Math" panose="02040503050406030204" pitchFamily="18" charset="0"/>
+                          </a:rPr>
+                          <m:t>+1)</m:t>
+                        </m:r>
+                      </m:sup>
+                    </m:sSup>
+                  </m:oMath>
+                </a14:m>
+                <a:endParaRPr lang="sv-SE" dirty="0"/>
+              </a:p>
+            </p:txBody>
+          </p:sp>
+        </mc:Choice>
+        <mc:Fallback>
+          <p:sp>
+            <p:nvSpPr>
+              <p:cNvPr id="3" name="Content Placeholder 2">
+                <a:extLst>
+                  <a:ext uri="{FF2B5EF4-FFF2-40B4-BE49-F238E27FC236}">
+                    <a16:creationId xmlns:a16="http://schemas.microsoft.com/office/drawing/2014/main" id="{4106FEA2-0BF3-433C-BBFA-31EB6BB1BED9}"/>
+                  </a:ext>
+                </a:extLst>
+              </p:cNvPr>
+              <p:cNvSpPr>
+                <a:spLocks noGrp="1" noRot="1" noChangeAspect="1" noMove="1" noResize="1" noEditPoints="1" noAdjustHandles="1" noChangeArrowheads="1" noChangeShapeType="1" noTextEdit="1"/>
+              </p:cNvSpPr>
+              <p:nvPr>
+                <p:ph idx="1"/>
+              </p:nvPr>
+            </p:nvSpPr>
+            <p:spPr>
+              <a:blipFill>
+                <a:blip r:embed="rId2"/>
+                <a:stretch>
+                  <a:fillRect l="-1043" t="-2241"/>
+                </a:stretch>
+              </a:blipFill>
+            </p:spPr>
+            <p:txBody>
+              <a:bodyPr/>
+              <a:lstStyle/>
+              <a:p>
+                <a:r>
+                  <a:rPr lang="sv-SE">
+                    <a:noFill/>
+                  </a:rPr>
+                  <a:t> </a:t>
+                </a:r>
+              </a:p>
+            </p:txBody>
+          </p:sp>
+        </mc:Fallback>
+      </mc:AlternateContent>
       <p:pic>
         <p:nvPicPr>
           <p:cNvPr id="4" name="Picture 3" descr="Icon&#10;&#10;Description automatically generated">
@@ -5791,13 +6551,13 @@
           <p:nvPr/>
         </p:nvPicPr>
         <p:blipFill>
-          <a:blip r:embed="rId2">
+          <a:blip r:embed="rId3">
             <a:extLst>
               <a:ext uri="{28A0092B-C50C-407E-A947-70E740481C1C}">
                 <a14:useLocalDpi xmlns:a14="http://schemas.microsoft.com/office/drawing/2010/main" val="0"/>
               </a:ext>
               <a:ext uri="{837473B0-CC2E-450A-ABE3-18F120FF3D39}">
-                <a1611:picAttrSrcUrl xmlns:a1611="http://schemas.microsoft.com/office/drawing/2016/11/main" r:id="rId3"/>
+                <a1611:picAttrSrcUrl xmlns:a1611="http://schemas.microsoft.com/office/drawing/2016/11/main" r:id="rId4"/>
               </a:ext>
             </a:extLst>
           </a:blip>
@@ -5829,6 +6589,3430 @@
 </file>
 
 <file path=ppt/slides/slide17.xml><?xml version="1.0" encoding="utf-8"?>
+<p:sld xmlns:a="http://schemas.openxmlformats.org/drawingml/2006/main" xmlns:r="http://schemas.openxmlformats.org/officeDocument/2006/relationships" xmlns:p="http://schemas.openxmlformats.org/presentationml/2006/main">
+  <p:cSld>
+    <p:spTree>
+      <p:nvGrpSpPr>
+        <p:cNvPr id="1" name=""/>
+        <p:cNvGrpSpPr/>
+        <p:nvPr/>
+      </p:nvGrpSpPr>
+      <p:grpSpPr>
+        <a:xfrm>
+          <a:off x="0" y="0"/>
+          <a:ext cx="0" cy="0"/>
+          <a:chOff x="0" y="0"/>
+          <a:chExt cx="0" cy="0"/>
+        </a:xfrm>
+      </p:grpSpPr>
+      <p:sp>
+        <p:nvSpPr>
+          <p:cNvPr id="2" name="Title 1">
+            <a:extLst>
+              <a:ext uri="{FF2B5EF4-FFF2-40B4-BE49-F238E27FC236}">
+                <a16:creationId xmlns:a16="http://schemas.microsoft.com/office/drawing/2014/main" id="{8A89EBBF-2D2E-446E-A82C-95DC7563CD1E}"/>
+              </a:ext>
+            </a:extLst>
+          </p:cNvPr>
+          <p:cNvSpPr>
+            <a:spLocks noGrp="1"/>
+          </p:cNvSpPr>
+          <p:nvPr>
+            <p:ph type="title"/>
+          </p:nvPr>
+        </p:nvSpPr>
+        <p:spPr/>
+        <p:txBody>
+          <a:bodyPr/>
+          <a:lstStyle/>
+          <a:p>
+            <a:r>
+              <a:rPr lang="sv-SE" dirty="0"/>
+              <a:t>Krypteringsalgoritm med semifaktoriseringsfuntion</a:t>
+            </a:r>
+          </a:p>
+        </p:txBody>
+      </p:sp>
+      <p:sp>
+        <p:nvSpPr>
+          <p:cNvPr id="3" name="Content Placeholder 2">
+            <a:extLst>
+              <a:ext uri="{FF2B5EF4-FFF2-40B4-BE49-F238E27FC236}">
+                <a16:creationId xmlns:a16="http://schemas.microsoft.com/office/drawing/2014/main" id="{C52C5F28-D0DE-4F92-B48F-2BBF04333646}"/>
+              </a:ext>
+            </a:extLst>
+          </p:cNvPr>
+          <p:cNvSpPr>
+            <a:spLocks noGrp="1"/>
+          </p:cNvSpPr>
+          <p:nvPr>
+            <p:ph sz="half" idx="1"/>
+          </p:nvPr>
+        </p:nvSpPr>
+        <p:spPr/>
+        <p:txBody>
+          <a:bodyPr/>
+          <a:lstStyle/>
+          <a:p>
+            <a:r>
+              <a:rPr lang="sv-SE" dirty="0"/>
+              <a:t>a &gt; 0 &amp; b &gt; 0</a:t>
+            </a:r>
+          </a:p>
+          <a:p>
+            <a:endParaRPr lang="sv-SE" dirty="0"/>
+          </a:p>
+          <a:p>
+            <a:endParaRPr lang="sv-SE" dirty="0"/>
+          </a:p>
+          <a:p>
+            <a:endParaRPr lang="sv-SE" dirty="0"/>
+          </a:p>
+          <a:p>
+            <a:r>
+              <a:rPr lang="sv-SE" dirty="0"/>
+              <a:t>a &gt; 0 &amp; b &lt; 0</a:t>
+            </a:r>
+          </a:p>
+        </p:txBody>
+      </p:sp>
+      <p:sp>
+        <p:nvSpPr>
+          <p:cNvPr id="4" name="Content Placeholder 3">
+            <a:extLst>
+              <a:ext uri="{FF2B5EF4-FFF2-40B4-BE49-F238E27FC236}">
+                <a16:creationId xmlns:a16="http://schemas.microsoft.com/office/drawing/2014/main" id="{8E4C8C6E-38D7-4904-9B27-EE860A211A9F}"/>
+              </a:ext>
+            </a:extLst>
+          </p:cNvPr>
+          <p:cNvSpPr>
+            <a:spLocks noGrp="1"/>
+          </p:cNvSpPr>
+          <p:nvPr>
+            <p:ph sz="half" idx="2"/>
+          </p:nvPr>
+        </p:nvSpPr>
+        <p:spPr/>
+        <p:txBody>
+          <a:bodyPr/>
+          <a:lstStyle/>
+          <a:p>
+            <a:r>
+              <a:rPr lang="sv-SE" dirty="0"/>
+              <a:t>a &lt; 0 &amp; b &gt; 0</a:t>
+            </a:r>
+          </a:p>
+          <a:p>
+            <a:endParaRPr lang="sv-SE" dirty="0"/>
+          </a:p>
+          <a:p>
+            <a:endParaRPr lang="sv-SE" dirty="0"/>
+          </a:p>
+          <a:p>
+            <a:endParaRPr lang="sv-SE" dirty="0"/>
+          </a:p>
+          <a:p>
+            <a:r>
+              <a:rPr lang="sv-SE" dirty="0"/>
+              <a:t>a &lt; 0 &amp; b &lt; 0</a:t>
+            </a:r>
+          </a:p>
+        </p:txBody>
+      </p:sp>
+      <p:pic>
+        <p:nvPicPr>
+          <p:cNvPr id="6" name="Picture 5">
+            <a:extLst>
+              <a:ext uri="{FF2B5EF4-FFF2-40B4-BE49-F238E27FC236}">
+                <a16:creationId xmlns:a16="http://schemas.microsoft.com/office/drawing/2014/main" id="{1447FFE6-79D7-4E36-980C-BB7AE446DE45}"/>
+              </a:ext>
+            </a:extLst>
+          </p:cNvPr>
+          <p:cNvPicPr>
+            <a:picLocks noChangeAspect="1"/>
+          </p:cNvPicPr>
+          <p:nvPr/>
+        </p:nvPicPr>
+        <p:blipFill>
+          <a:blip r:embed="rId2"/>
+          <a:stretch>
+            <a:fillRect/>
+          </a:stretch>
+        </p:blipFill>
+        <p:spPr>
+          <a:xfrm>
+            <a:off x="3429000" y="1815999"/>
+            <a:ext cx="1797518" cy="1851851"/>
+          </a:xfrm>
+          <a:prstGeom prst="rect">
+            <a:avLst/>
+          </a:prstGeom>
+        </p:spPr>
+      </p:pic>
+      <p:pic>
+        <p:nvPicPr>
+          <p:cNvPr id="7" name="Picture 6">
+            <a:extLst>
+              <a:ext uri="{FF2B5EF4-FFF2-40B4-BE49-F238E27FC236}">
+                <a16:creationId xmlns:a16="http://schemas.microsoft.com/office/drawing/2014/main" id="{23F3F685-A2D2-422D-8BE8-762DDF030515}"/>
+              </a:ext>
+            </a:extLst>
+          </p:cNvPr>
+          <p:cNvPicPr>
+            <a:picLocks noChangeAspect="1"/>
+          </p:cNvPicPr>
+          <p:nvPr/>
+        </p:nvPicPr>
+        <p:blipFill>
+          <a:blip r:embed="rId3"/>
+          <a:stretch>
+            <a:fillRect/>
+          </a:stretch>
+        </p:blipFill>
+        <p:spPr>
+          <a:xfrm>
+            <a:off x="3429000" y="4414242"/>
+            <a:ext cx="1797518" cy="1897658"/>
+          </a:xfrm>
+          <a:prstGeom prst="rect">
+            <a:avLst/>
+          </a:prstGeom>
+        </p:spPr>
+      </p:pic>
+      <p:pic>
+        <p:nvPicPr>
+          <p:cNvPr id="8" name="Picture 7">
+            <a:extLst>
+              <a:ext uri="{FF2B5EF4-FFF2-40B4-BE49-F238E27FC236}">
+                <a16:creationId xmlns:a16="http://schemas.microsoft.com/office/drawing/2014/main" id="{1575C39B-0267-4E62-AA5D-64695F96CB13}"/>
+              </a:ext>
+            </a:extLst>
+          </p:cNvPr>
+          <p:cNvPicPr>
+            <a:picLocks noChangeAspect="1"/>
+          </p:cNvPicPr>
+          <p:nvPr/>
+        </p:nvPicPr>
+        <p:blipFill>
+          <a:blip r:embed="rId4"/>
+          <a:stretch>
+            <a:fillRect/>
+          </a:stretch>
+        </p:blipFill>
+        <p:spPr>
+          <a:xfrm>
+            <a:off x="8993204" y="1825624"/>
+            <a:ext cx="2159835" cy="1851851"/>
+          </a:xfrm>
+          <a:prstGeom prst="rect">
+            <a:avLst/>
+          </a:prstGeom>
+        </p:spPr>
+      </p:pic>
+      <p:pic>
+        <p:nvPicPr>
+          <p:cNvPr id="9" name="Picture 8">
+            <a:extLst>
+              <a:ext uri="{FF2B5EF4-FFF2-40B4-BE49-F238E27FC236}">
+                <a16:creationId xmlns:a16="http://schemas.microsoft.com/office/drawing/2014/main" id="{2E86DE71-F397-4F47-B0F1-D066C5BA158A}"/>
+              </a:ext>
+            </a:extLst>
+          </p:cNvPr>
+          <p:cNvPicPr>
+            <a:picLocks noChangeAspect="1"/>
+          </p:cNvPicPr>
+          <p:nvPr/>
+        </p:nvPicPr>
+        <p:blipFill>
+          <a:blip r:embed="rId5"/>
+          <a:stretch>
+            <a:fillRect/>
+          </a:stretch>
+        </p:blipFill>
+        <p:spPr>
+          <a:xfrm>
+            <a:off x="8993205" y="4414242"/>
+            <a:ext cx="2238810" cy="1897658"/>
+          </a:xfrm>
+          <a:prstGeom prst="rect">
+            <a:avLst/>
+          </a:prstGeom>
+        </p:spPr>
+      </p:pic>
+      <p:pic>
+        <p:nvPicPr>
+          <p:cNvPr id="11" name="Picture 10" descr="Icon&#10;&#10;Description automatically generated">
+            <a:extLst>
+              <a:ext uri="{FF2B5EF4-FFF2-40B4-BE49-F238E27FC236}">
+                <a16:creationId xmlns:a16="http://schemas.microsoft.com/office/drawing/2014/main" id="{7BBB407E-E421-47A7-987E-58A448514FFB}"/>
+              </a:ext>
+            </a:extLst>
+          </p:cNvPr>
+          <p:cNvPicPr>
+            <a:picLocks noChangeAspect="1"/>
+          </p:cNvPicPr>
+          <p:nvPr/>
+        </p:nvPicPr>
+        <p:blipFill>
+          <a:blip r:embed="rId6">
+            <a:extLst>
+              <a:ext uri="{28A0092B-C50C-407E-A947-70E740481C1C}">
+                <a14:useLocalDpi xmlns:a14="http://schemas.microsoft.com/office/drawing/2010/main" val="0"/>
+              </a:ext>
+              <a:ext uri="{837473B0-CC2E-450A-ABE3-18F120FF3D39}">
+                <a1611:picAttrSrcUrl xmlns:a1611="http://schemas.microsoft.com/office/drawing/2016/11/main" r:id="rId7"/>
+              </a:ext>
+            </a:extLst>
+          </a:blip>
+          <a:stretch>
+            <a:fillRect/>
+          </a:stretch>
+        </p:blipFill>
+        <p:spPr>
+          <a:xfrm>
+            <a:off x="10758903" y="230188"/>
+            <a:ext cx="1189794" cy="1189794"/>
+          </a:xfrm>
+          <a:prstGeom prst="rect">
+            <a:avLst/>
+          </a:prstGeom>
+        </p:spPr>
+      </p:pic>
+      <p:sp>
+        <p:nvSpPr>
+          <p:cNvPr id="5" name="Rectangle 4">
+            <a:extLst>
+              <a:ext uri="{FF2B5EF4-FFF2-40B4-BE49-F238E27FC236}">
+                <a16:creationId xmlns:a16="http://schemas.microsoft.com/office/drawing/2014/main" id="{9333FE79-6068-4B89-8802-E9369540387C}"/>
+              </a:ext>
+            </a:extLst>
+          </p:cNvPr>
+          <p:cNvSpPr/>
+          <p:nvPr/>
+        </p:nvSpPr>
+        <p:spPr>
+          <a:xfrm>
+            <a:off x="6019800" y="1690689"/>
+            <a:ext cx="6050280" cy="2149792"/>
+          </a:xfrm>
+          <a:prstGeom prst="rect">
+            <a:avLst/>
+          </a:prstGeom>
+          <a:noFill/>
+          <a:ln w="63500">
+            <a:solidFill>
+              <a:srgbClr val="FF0000"/>
+            </a:solidFill>
+            <a:prstDash val="dash"/>
+            <a:extLst>
+              <a:ext uri="{C807C97D-BFC1-408E-A445-0C87EB9F89A2}">
+                <ask:lineSketchStyleProps xmlns:ask="http://schemas.microsoft.com/office/drawing/2018/sketchyshapes" sd="1219033472">
+                  <a:custGeom>
+                    <a:avLst/>
+                    <a:gdLst>
+                      <a:gd name="connsiteX0" fmla="*/ 0 w 6050280"/>
+                      <a:gd name="connsiteY0" fmla="*/ 0 h 2149792"/>
+                      <a:gd name="connsiteX1" fmla="*/ 489523 w 6050280"/>
+                      <a:gd name="connsiteY1" fmla="*/ 0 h 2149792"/>
+                      <a:gd name="connsiteX2" fmla="*/ 858040 w 6050280"/>
+                      <a:gd name="connsiteY2" fmla="*/ 0 h 2149792"/>
+                      <a:gd name="connsiteX3" fmla="*/ 1529071 w 6050280"/>
+                      <a:gd name="connsiteY3" fmla="*/ 0 h 2149792"/>
+                      <a:gd name="connsiteX4" fmla="*/ 2018593 w 6050280"/>
+                      <a:gd name="connsiteY4" fmla="*/ 0 h 2149792"/>
+                      <a:gd name="connsiteX5" fmla="*/ 2508116 w 6050280"/>
+                      <a:gd name="connsiteY5" fmla="*/ 0 h 2149792"/>
+                      <a:gd name="connsiteX6" fmla="*/ 3179147 w 6050280"/>
+                      <a:gd name="connsiteY6" fmla="*/ 0 h 2149792"/>
+                      <a:gd name="connsiteX7" fmla="*/ 3608167 w 6050280"/>
+                      <a:gd name="connsiteY7" fmla="*/ 0 h 2149792"/>
+                      <a:gd name="connsiteX8" fmla="*/ 4279198 w 6050280"/>
+                      <a:gd name="connsiteY8" fmla="*/ 0 h 2149792"/>
+                      <a:gd name="connsiteX9" fmla="*/ 4950229 w 6050280"/>
+                      <a:gd name="connsiteY9" fmla="*/ 0 h 2149792"/>
+                      <a:gd name="connsiteX10" fmla="*/ 5500255 w 6050280"/>
+                      <a:gd name="connsiteY10" fmla="*/ 0 h 2149792"/>
+                      <a:gd name="connsiteX11" fmla="*/ 6050280 w 6050280"/>
+                      <a:gd name="connsiteY11" fmla="*/ 0 h 2149792"/>
+                      <a:gd name="connsiteX12" fmla="*/ 6050280 w 6050280"/>
+                      <a:gd name="connsiteY12" fmla="*/ 515950 h 2149792"/>
+                      <a:gd name="connsiteX13" fmla="*/ 6050280 w 6050280"/>
+                      <a:gd name="connsiteY13" fmla="*/ 988904 h 2149792"/>
+                      <a:gd name="connsiteX14" fmla="*/ 6050280 w 6050280"/>
+                      <a:gd name="connsiteY14" fmla="*/ 1526352 h 2149792"/>
+                      <a:gd name="connsiteX15" fmla="*/ 6050280 w 6050280"/>
+                      <a:gd name="connsiteY15" fmla="*/ 2149792 h 2149792"/>
+                      <a:gd name="connsiteX16" fmla="*/ 5500255 w 6050280"/>
+                      <a:gd name="connsiteY16" fmla="*/ 2149792 h 2149792"/>
+                      <a:gd name="connsiteX17" fmla="*/ 4829223 w 6050280"/>
+                      <a:gd name="connsiteY17" fmla="*/ 2149792 h 2149792"/>
+                      <a:gd name="connsiteX18" fmla="*/ 4279198 w 6050280"/>
+                      <a:gd name="connsiteY18" fmla="*/ 2149792 h 2149792"/>
+                      <a:gd name="connsiteX19" fmla="*/ 3910681 w 6050280"/>
+                      <a:gd name="connsiteY19" fmla="*/ 2149792 h 2149792"/>
+                      <a:gd name="connsiteX20" fmla="*/ 3481661 w 6050280"/>
+                      <a:gd name="connsiteY20" fmla="*/ 2149792 h 2149792"/>
+                      <a:gd name="connsiteX21" fmla="*/ 2810630 w 6050280"/>
+                      <a:gd name="connsiteY21" fmla="*/ 2149792 h 2149792"/>
+                      <a:gd name="connsiteX22" fmla="*/ 2260605 w 6050280"/>
+                      <a:gd name="connsiteY22" fmla="*/ 2149792 h 2149792"/>
+                      <a:gd name="connsiteX23" fmla="*/ 1831585 w 6050280"/>
+                      <a:gd name="connsiteY23" fmla="*/ 2149792 h 2149792"/>
+                      <a:gd name="connsiteX24" fmla="*/ 1281559 w 6050280"/>
+                      <a:gd name="connsiteY24" fmla="*/ 2149792 h 2149792"/>
+                      <a:gd name="connsiteX25" fmla="*/ 913042 w 6050280"/>
+                      <a:gd name="connsiteY25" fmla="*/ 2149792 h 2149792"/>
+                      <a:gd name="connsiteX26" fmla="*/ 544525 w 6050280"/>
+                      <a:gd name="connsiteY26" fmla="*/ 2149792 h 2149792"/>
+                      <a:gd name="connsiteX27" fmla="*/ 0 w 6050280"/>
+                      <a:gd name="connsiteY27" fmla="*/ 2149792 h 2149792"/>
+                      <a:gd name="connsiteX28" fmla="*/ 0 w 6050280"/>
+                      <a:gd name="connsiteY28" fmla="*/ 1655340 h 2149792"/>
+                      <a:gd name="connsiteX29" fmla="*/ 0 w 6050280"/>
+                      <a:gd name="connsiteY29" fmla="*/ 1074896 h 2149792"/>
+                      <a:gd name="connsiteX30" fmla="*/ 0 w 6050280"/>
+                      <a:gd name="connsiteY30" fmla="*/ 558946 h 2149792"/>
+                      <a:gd name="connsiteX31" fmla="*/ 0 w 6050280"/>
+                      <a:gd name="connsiteY31" fmla="*/ 0 h 2149792"/>
+                    </a:gdLst>
+                    <a:ahLst/>
+                    <a:cxnLst>
+                      <a:cxn ang="0">
+                        <a:pos x="connsiteX0" y="connsiteY0"/>
+                      </a:cxn>
+                      <a:cxn ang="0">
+                        <a:pos x="connsiteX1" y="connsiteY1"/>
+                      </a:cxn>
+                      <a:cxn ang="0">
+                        <a:pos x="connsiteX2" y="connsiteY2"/>
+                      </a:cxn>
+                      <a:cxn ang="0">
+                        <a:pos x="connsiteX3" y="connsiteY3"/>
+                      </a:cxn>
+                      <a:cxn ang="0">
+                        <a:pos x="connsiteX4" y="connsiteY4"/>
+                      </a:cxn>
+                      <a:cxn ang="0">
+                        <a:pos x="connsiteX5" y="connsiteY5"/>
+                      </a:cxn>
+                      <a:cxn ang="0">
+                        <a:pos x="connsiteX6" y="connsiteY6"/>
+                      </a:cxn>
+                      <a:cxn ang="0">
+                        <a:pos x="connsiteX7" y="connsiteY7"/>
+                      </a:cxn>
+                      <a:cxn ang="0">
+                        <a:pos x="connsiteX8" y="connsiteY8"/>
+                      </a:cxn>
+                      <a:cxn ang="0">
+                        <a:pos x="connsiteX9" y="connsiteY9"/>
+                      </a:cxn>
+                      <a:cxn ang="0">
+                        <a:pos x="connsiteX10" y="connsiteY10"/>
+                      </a:cxn>
+                      <a:cxn ang="0">
+                        <a:pos x="connsiteX11" y="connsiteY11"/>
+                      </a:cxn>
+                      <a:cxn ang="0">
+                        <a:pos x="connsiteX12" y="connsiteY12"/>
+                      </a:cxn>
+                      <a:cxn ang="0">
+                        <a:pos x="connsiteX13" y="connsiteY13"/>
+                      </a:cxn>
+                      <a:cxn ang="0">
+                        <a:pos x="connsiteX14" y="connsiteY14"/>
+                      </a:cxn>
+                      <a:cxn ang="0">
+                        <a:pos x="connsiteX15" y="connsiteY15"/>
+                      </a:cxn>
+                      <a:cxn ang="0">
+                        <a:pos x="connsiteX16" y="connsiteY16"/>
+                      </a:cxn>
+                      <a:cxn ang="0">
+                        <a:pos x="connsiteX17" y="connsiteY17"/>
+                      </a:cxn>
+                      <a:cxn ang="0">
+                        <a:pos x="connsiteX18" y="connsiteY18"/>
+                      </a:cxn>
+                      <a:cxn ang="0">
+                        <a:pos x="connsiteX19" y="connsiteY19"/>
+                      </a:cxn>
+                      <a:cxn ang="0">
+                        <a:pos x="connsiteX20" y="connsiteY20"/>
+                      </a:cxn>
+                      <a:cxn ang="0">
+                        <a:pos x="connsiteX21" y="connsiteY21"/>
+                      </a:cxn>
+                      <a:cxn ang="0">
+                        <a:pos x="connsiteX22" y="connsiteY22"/>
+                      </a:cxn>
+                      <a:cxn ang="0">
+                        <a:pos x="connsiteX23" y="connsiteY23"/>
+                      </a:cxn>
+                      <a:cxn ang="0">
+                        <a:pos x="connsiteX24" y="connsiteY24"/>
+                      </a:cxn>
+                      <a:cxn ang="0">
+                        <a:pos x="connsiteX25" y="connsiteY25"/>
+                      </a:cxn>
+                      <a:cxn ang="0">
+                        <a:pos x="connsiteX26" y="connsiteY26"/>
+                      </a:cxn>
+                      <a:cxn ang="0">
+                        <a:pos x="connsiteX27" y="connsiteY27"/>
+                      </a:cxn>
+                      <a:cxn ang="0">
+                        <a:pos x="connsiteX28" y="connsiteY28"/>
+                      </a:cxn>
+                      <a:cxn ang="0">
+                        <a:pos x="connsiteX29" y="connsiteY29"/>
+                      </a:cxn>
+                      <a:cxn ang="0">
+                        <a:pos x="connsiteX30" y="connsiteY30"/>
+                      </a:cxn>
+                      <a:cxn ang="0">
+                        <a:pos x="connsiteX31" y="connsiteY31"/>
+                      </a:cxn>
+                    </a:cxnLst>
+                    <a:rect l="l" t="t" r="r" b="b"/>
+                    <a:pathLst>
+                      <a:path w="6050280" h="2149792" extrusionOk="0">
+                        <a:moveTo>
+                          <a:pt x="0" y="0"/>
+                        </a:moveTo>
+                        <a:cubicBezTo>
+                          <a:pt x="141831" y="-38539"/>
+                          <a:pt x="363573" y="10946"/>
+                          <a:pt x="489523" y="0"/>
+                        </a:cubicBezTo>
+                        <a:cubicBezTo>
+                          <a:pt x="615473" y="-10946"/>
+                          <a:pt x="717117" y="13690"/>
+                          <a:pt x="858040" y="0"/>
+                        </a:cubicBezTo>
+                        <a:cubicBezTo>
+                          <a:pt x="998963" y="-13690"/>
+                          <a:pt x="1346745" y="80386"/>
+                          <a:pt x="1529071" y="0"/>
+                        </a:cubicBezTo>
+                        <a:cubicBezTo>
+                          <a:pt x="1711397" y="-80386"/>
+                          <a:pt x="1776935" y="57395"/>
+                          <a:pt x="2018593" y="0"/>
+                        </a:cubicBezTo>
+                        <a:cubicBezTo>
+                          <a:pt x="2260251" y="-57395"/>
+                          <a:pt x="2391038" y="37376"/>
+                          <a:pt x="2508116" y="0"/>
+                        </a:cubicBezTo>
+                        <a:cubicBezTo>
+                          <a:pt x="2625194" y="-37376"/>
+                          <a:pt x="2934526" y="34827"/>
+                          <a:pt x="3179147" y="0"/>
+                        </a:cubicBezTo>
+                        <a:cubicBezTo>
+                          <a:pt x="3423768" y="-34827"/>
+                          <a:pt x="3490689" y="21975"/>
+                          <a:pt x="3608167" y="0"/>
+                        </a:cubicBezTo>
+                        <a:cubicBezTo>
+                          <a:pt x="3725645" y="-21975"/>
+                          <a:pt x="4071538" y="76272"/>
+                          <a:pt x="4279198" y="0"/>
+                        </a:cubicBezTo>
+                        <a:cubicBezTo>
+                          <a:pt x="4486858" y="-76272"/>
+                          <a:pt x="4798758" y="43700"/>
+                          <a:pt x="4950229" y="0"/>
+                        </a:cubicBezTo>
+                        <a:cubicBezTo>
+                          <a:pt x="5101700" y="-43700"/>
+                          <a:pt x="5244861" y="18820"/>
+                          <a:pt x="5500255" y="0"/>
+                        </a:cubicBezTo>
+                        <a:cubicBezTo>
+                          <a:pt x="5755649" y="-18820"/>
+                          <a:pt x="5785768" y="24291"/>
+                          <a:pt x="6050280" y="0"/>
+                        </a:cubicBezTo>
+                        <a:cubicBezTo>
+                          <a:pt x="6096296" y="246033"/>
+                          <a:pt x="5989672" y="398695"/>
+                          <a:pt x="6050280" y="515950"/>
+                        </a:cubicBezTo>
+                        <a:cubicBezTo>
+                          <a:pt x="6110888" y="633205"/>
+                          <a:pt x="6022208" y="767574"/>
+                          <a:pt x="6050280" y="988904"/>
+                        </a:cubicBezTo>
+                        <a:cubicBezTo>
+                          <a:pt x="6078352" y="1210234"/>
+                          <a:pt x="6012638" y="1410710"/>
+                          <a:pt x="6050280" y="1526352"/>
+                        </a:cubicBezTo>
+                        <a:cubicBezTo>
+                          <a:pt x="6087922" y="1641994"/>
+                          <a:pt x="6021322" y="2006926"/>
+                          <a:pt x="6050280" y="2149792"/>
+                        </a:cubicBezTo>
+                        <a:cubicBezTo>
+                          <a:pt x="5932300" y="2207032"/>
+                          <a:pt x="5710958" y="2130028"/>
+                          <a:pt x="5500255" y="2149792"/>
+                        </a:cubicBezTo>
+                        <a:cubicBezTo>
+                          <a:pt x="5289552" y="2169556"/>
+                          <a:pt x="5064769" y="2094150"/>
+                          <a:pt x="4829223" y="2149792"/>
+                        </a:cubicBezTo>
+                        <a:cubicBezTo>
+                          <a:pt x="4593677" y="2205434"/>
+                          <a:pt x="4521588" y="2123842"/>
+                          <a:pt x="4279198" y="2149792"/>
+                        </a:cubicBezTo>
+                        <a:cubicBezTo>
+                          <a:pt x="4036809" y="2175742"/>
+                          <a:pt x="4049245" y="2121095"/>
+                          <a:pt x="3910681" y="2149792"/>
+                        </a:cubicBezTo>
+                        <a:cubicBezTo>
+                          <a:pt x="3772117" y="2178489"/>
+                          <a:pt x="3654064" y="2149183"/>
+                          <a:pt x="3481661" y="2149792"/>
+                        </a:cubicBezTo>
+                        <a:cubicBezTo>
+                          <a:pt x="3309258" y="2150401"/>
+                          <a:pt x="2961436" y="2085343"/>
+                          <a:pt x="2810630" y="2149792"/>
+                        </a:cubicBezTo>
+                        <a:cubicBezTo>
+                          <a:pt x="2659824" y="2214241"/>
+                          <a:pt x="2423875" y="2136368"/>
+                          <a:pt x="2260605" y="2149792"/>
+                        </a:cubicBezTo>
+                        <a:cubicBezTo>
+                          <a:pt x="2097335" y="2163216"/>
+                          <a:pt x="1978630" y="2144553"/>
+                          <a:pt x="1831585" y="2149792"/>
+                        </a:cubicBezTo>
+                        <a:cubicBezTo>
+                          <a:pt x="1684540" y="2155031"/>
+                          <a:pt x="1403400" y="2138675"/>
+                          <a:pt x="1281559" y="2149792"/>
+                        </a:cubicBezTo>
+                        <a:cubicBezTo>
+                          <a:pt x="1159718" y="2160909"/>
+                          <a:pt x="1063504" y="2123334"/>
+                          <a:pt x="913042" y="2149792"/>
+                        </a:cubicBezTo>
+                        <a:cubicBezTo>
+                          <a:pt x="762580" y="2176250"/>
+                          <a:pt x="683553" y="2107990"/>
+                          <a:pt x="544525" y="2149792"/>
+                        </a:cubicBezTo>
+                        <a:cubicBezTo>
+                          <a:pt x="405497" y="2191594"/>
+                          <a:pt x="240870" y="2105859"/>
+                          <a:pt x="0" y="2149792"/>
+                        </a:cubicBezTo>
+                        <a:cubicBezTo>
+                          <a:pt x="-9066" y="2015587"/>
+                          <a:pt x="22626" y="1785567"/>
+                          <a:pt x="0" y="1655340"/>
+                        </a:cubicBezTo>
+                        <a:cubicBezTo>
+                          <a:pt x="-22626" y="1525113"/>
+                          <a:pt x="6243" y="1336676"/>
+                          <a:pt x="0" y="1074896"/>
+                        </a:cubicBezTo>
+                        <a:cubicBezTo>
+                          <a:pt x="-6243" y="813116"/>
+                          <a:pt x="30695" y="686879"/>
+                          <a:pt x="0" y="558946"/>
+                        </a:cubicBezTo>
+                        <a:cubicBezTo>
+                          <a:pt x="-30695" y="431013"/>
+                          <a:pt x="64882" y="137829"/>
+                          <a:pt x="0" y="0"/>
+                        </a:cubicBezTo>
+                        <a:close/>
+                      </a:path>
+                    </a:pathLst>
+                  </a:custGeom>
+                  <ask:type>
+                    <ask:lineSketchNone/>
+                  </ask:type>
+                </ask:lineSketchStyleProps>
+              </a:ext>
+            </a:extLst>
+          </a:ln>
+        </p:spPr>
+        <p:style>
+          <a:lnRef idx="2">
+            <a:schemeClr val="accent1">
+              <a:shade val="50000"/>
+            </a:schemeClr>
+          </a:lnRef>
+          <a:fillRef idx="1">
+            <a:schemeClr val="accent1"/>
+          </a:fillRef>
+          <a:effectRef idx="0">
+            <a:schemeClr val="accent1"/>
+          </a:effectRef>
+          <a:fontRef idx="minor">
+            <a:schemeClr val="lt1"/>
+          </a:fontRef>
+        </p:style>
+        <p:txBody>
+          <a:bodyPr rtlCol="0" anchor="ctr"/>
+          <a:lstStyle/>
+          <a:p>
+            <a:pPr algn="ctr"/>
+            <a:endParaRPr lang="sv-SE"/>
+          </a:p>
+        </p:txBody>
+      </p:sp>
+    </p:spTree>
+    <p:extLst>
+      <p:ext uri="{BB962C8B-B14F-4D97-AF65-F5344CB8AC3E}">
+        <p14:creationId xmlns:p14="http://schemas.microsoft.com/office/powerpoint/2010/main" val="1124873630"/>
+      </p:ext>
+    </p:extLst>
+  </p:cSld>
+  <p:clrMapOvr>
+    <a:masterClrMapping/>
+  </p:clrMapOvr>
+</p:sld>
+</file>
+
+<file path=ppt/slides/slide18.xml><?xml version="1.0" encoding="utf-8"?>
+<p:sld xmlns:a="http://schemas.openxmlformats.org/drawingml/2006/main" xmlns:r="http://schemas.openxmlformats.org/officeDocument/2006/relationships" xmlns:p="http://schemas.openxmlformats.org/presentationml/2006/main">
+  <p:cSld>
+    <p:bg>
+      <p:bgPr>
+        <a:solidFill>
+          <a:schemeClr val="bg1"/>
+        </a:solidFill>
+        <a:effectLst/>
+      </p:bgPr>
+    </p:bg>
+    <p:spTree>
+      <p:nvGrpSpPr>
+        <p:cNvPr id="1" name=""/>
+        <p:cNvGrpSpPr/>
+        <p:nvPr/>
+      </p:nvGrpSpPr>
+      <p:grpSpPr>
+        <a:xfrm>
+          <a:off x="0" y="0"/>
+          <a:ext cx="0" cy="0"/>
+          <a:chOff x="0" y="0"/>
+          <a:chExt cx="0" cy="0"/>
+        </a:xfrm>
+      </p:grpSpPr>
+      <p:sp useBgFill="1">
+        <p:nvSpPr>
+          <p:cNvPr id="12" name="Rectangle 11">
+            <a:extLst>
+              <a:ext uri="{FF2B5EF4-FFF2-40B4-BE49-F238E27FC236}">
+                <a16:creationId xmlns:a16="http://schemas.microsoft.com/office/drawing/2014/main" id="{53F29798-D584-4792-9B62-3F5F5C36D619}"/>
+              </a:ext>
+              <a:ext uri="{C183D7F6-B498-43B3-948B-1728B52AA6E4}">
+                <adec:decorative xmlns:adec="http://schemas.microsoft.com/office/drawing/2017/decorative" val="1"/>
+              </a:ext>
+            </a:extLst>
+          </p:cNvPr>
+          <p:cNvSpPr>
+            <a:spLocks noGrp="1" noRot="1" noChangeAspect="1" noMove="1" noResize="1" noEditPoints="1" noAdjustHandles="1" noChangeArrowheads="1" noChangeShapeType="1" noTextEdit="1"/>
+          </p:cNvSpPr>
+          <p:nvPr>
+            <p:extLst>
+              <p:ext uri="{386F3935-93C4-4BCD-93E2-E3B085C9AB24}">
+                <p16:designElem xmlns:p16="http://schemas.microsoft.com/office/powerpoint/2015/main" val="1"/>
+              </p:ext>
+            </p:extLst>
+          </p:nvPr>
+        </p:nvSpPr>
+        <p:spPr>
+          <a:xfrm>
+            <a:off x="0" y="0"/>
+            <a:ext cx="12188952" cy="6858000"/>
+          </a:xfrm>
+          <a:prstGeom prst="rect">
+            <a:avLst/>
+          </a:prstGeom>
+          <a:ln>
+            <a:noFill/>
+          </a:ln>
+        </p:spPr>
+        <p:style>
+          <a:lnRef idx="2">
+            <a:schemeClr val="accent1">
+              <a:shade val="50000"/>
+            </a:schemeClr>
+          </a:lnRef>
+          <a:fillRef idx="1">
+            <a:schemeClr val="accent1"/>
+          </a:fillRef>
+          <a:effectRef idx="0">
+            <a:schemeClr val="accent1"/>
+          </a:effectRef>
+          <a:fontRef idx="minor">
+            <a:schemeClr val="lt1"/>
+          </a:fontRef>
+        </p:style>
+        <p:txBody>
+          <a:bodyPr rtlCol="0" anchor="ctr"/>
+          <a:lstStyle/>
+          <a:p>
+            <a:pPr algn="ctr"/>
+            <a:endParaRPr lang="en-US"/>
+          </a:p>
+        </p:txBody>
+      </p:sp>
+      <mc:AlternateContent xmlns:mc="http://schemas.openxmlformats.org/markup-compatibility/2006">
+        <mc:Choice xmlns:a14="http://schemas.microsoft.com/office/drawing/2010/main" Requires="a14">
+          <p:sp>
+            <p:nvSpPr>
+              <p:cNvPr id="5" name="Title 4">
+                <a:extLst>
+                  <a:ext uri="{FF2B5EF4-FFF2-40B4-BE49-F238E27FC236}">
+                    <a16:creationId xmlns:a16="http://schemas.microsoft.com/office/drawing/2014/main" id="{E4AAE1F0-E4D8-4BC2-863F-C657E17CFD24}"/>
+                  </a:ext>
+                </a:extLst>
+              </p:cNvPr>
+              <p:cNvSpPr>
+                <a:spLocks noGrp="1"/>
+              </p:cNvSpPr>
+              <p:nvPr>
+                <p:ph type="title"/>
+              </p:nvPr>
+            </p:nvSpPr>
+            <p:spPr>
+              <a:xfrm>
+                <a:off x="838200" y="562271"/>
+                <a:ext cx="10515600" cy="1128417"/>
+              </a:xfrm>
+            </p:spPr>
+            <p:txBody>
+              <a:bodyPr vert="horz" lIns="91440" tIns="45720" rIns="91440" bIns="45720" rtlCol="0" anchor="ctr">
+                <a:normAutofit/>
+              </a:bodyPr>
+              <a:lstStyle/>
+              <a:p>
+                <a14:m>
+                  <m:oMathPara xmlns:m="http://schemas.openxmlformats.org/officeDocument/2006/math">
+                    <m:oMathParaPr>
+                      <m:jc m:val="centerGroup"/>
+                    </m:oMathParaPr>
+                    <m:oMath xmlns:m="http://schemas.openxmlformats.org/officeDocument/2006/math">
+                      <m:r>
+                        <a:rPr lang="sv-SE" sz="5400" i="1">
+                          <a:latin typeface="Cambria Math" panose="02040503050406030204" pitchFamily="18" charset="0"/>
+                        </a:rPr>
+                        <m:t>𝑓</m:t>
+                      </m:r>
+                      <m:d>
+                        <m:dPr>
+                          <m:ctrlPr>
+                            <a:rPr lang="sv-SE" sz="5400" i="1">
+                              <a:latin typeface="Cambria Math" panose="02040503050406030204" pitchFamily="18" charset="0"/>
+                            </a:rPr>
+                          </m:ctrlPr>
+                        </m:dPr>
+                        <m:e>
+                          <m:r>
+                            <a:rPr lang="sv-SE" sz="5400" i="1">
+                              <a:latin typeface="Cambria Math" panose="02040503050406030204" pitchFamily="18" charset="0"/>
+                            </a:rPr>
+                            <m:t>𝑥</m:t>
+                          </m:r>
+                        </m:e>
+                      </m:d>
+                      <m:r>
+                        <a:rPr lang="sv-SE" sz="5400" i="1">
+                          <a:latin typeface="Cambria Math" panose="02040503050406030204" pitchFamily="18" charset="0"/>
+                        </a:rPr>
+                        <m:t>=</m:t>
+                      </m:r>
+                      <m:sSup>
+                        <m:sSupPr>
+                          <m:ctrlPr>
+                            <a:rPr lang="sv-SE" sz="5400" i="1">
+                              <a:latin typeface="Cambria Math" panose="02040503050406030204" pitchFamily="18" charset="0"/>
+                            </a:rPr>
+                          </m:ctrlPr>
+                        </m:sSupPr>
+                        <m:e>
+                          <m:r>
+                            <a:rPr lang="sv-SE" sz="5400" i="1">
+                              <a:latin typeface="Cambria Math" panose="02040503050406030204" pitchFamily="18" charset="0"/>
+                            </a:rPr>
+                            <m:t>𝑥</m:t>
+                          </m:r>
+                        </m:e>
+                        <m:sup>
+                          <m:r>
+                            <a:rPr lang="sv-SE" sz="5400" i="1">
+                              <a:latin typeface="Cambria Math" panose="02040503050406030204" pitchFamily="18" charset="0"/>
+                            </a:rPr>
+                            <m:t>(−</m:t>
+                          </m:r>
+                          <m:r>
+                            <a:rPr lang="sv-SE" sz="5400" i="1">
+                              <a:latin typeface="Cambria Math" panose="02040503050406030204" pitchFamily="18" charset="0"/>
+                            </a:rPr>
+                            <m:t>𝑥</m:t>
+                          </m:r>
+                          <m:r>
+                            <a:rPr lang="sv-SE" sz="5400" i="1">
+                              <a:latin typeface="Cambria Math" panose="02040503050406030204" pitchFamily="18" charset="0"/>
+                            </a:rPr>
+                            <m:t>+1)</m:t>
+                          </m:r>
+                        </m:sup>
+                      </m:sSup>
+                    </m:oMath>
+                  </m:oMathPara>
+                </a14:m>
+                <a:endParaRPr lang="en-US" sz="5200" dirty="0"/>
+              </a:p>
+            </p:txBody>
+          </p:sp>
+        </mc:Choice>
+        <mc:Fallback>
+          <p:sp>
+            <p:nvSpPr>
+              <p:cNvPr id="5" name="Title 4">
+                <a:extLst>
+                  <a:ext uri="{FF2B5EF4-FFF2-40B4-BE49-F238E27FC236}">
+                    <a16:creationId xmlns:a16="http://schemas.microsoft.com/office/drawing/2014/main" id="{E4AAE1F0-E4D8-4BC2-863F-C657E17CFD24}"/>
+                  </a:ext>
+                </a:extLst>
+              </p:cNvPr>
+              <p:cNvSpPr>
+                <a:spLocks noGrp="1" noRot="1" noChangeAspect="1" noMove="1" noResize="1" noEditPoints="1" noAdjustHandles="1" noChangeArrowheads="1" noChangeShapeType="1" noTextEdit="1"/>
+              </p:cNvSpPr>
+              <p:nvPr>
+                <p:ph type="title"/>
+              </p:nvPr>
+            </p:nvSpPr>
+            <p:spPr>
+              <a:xfrm>
+                <a:off x="838200" y="562271"/>
+                <a:ext cx="10515600" cy="1128417"/>
+              </a:xfrm>
+              <a:blipFill>
+                <a:blip r:embed="rId2"/>
+                <a:stretch>
+                  <a:fillRect/>
+                </a:stretch>
+              </a:blipFill>
+            </p:spPr>
+            <p:txBody>
+              <a:bodyPr/>
+              <a:lstStyle/>
+              <a:p>
+                <a:r>
+                  <a:rPr lang="sv-SE">
+                    <a:noFill/>
+                  </a:rPr>
+                  <a:t> </a:t>
+                </a:r>
+              </a:p>
+            </p:txBody>
+          </p:sp>
+        </mc:Fallback>
+      </mc:AlternateContent>
+      <p:pic>
+        <p:nvPicPr>
+          <p:cNvPr id="7" name="Content Placeholder 6" descr="Chart, line chart&#10;&#10;Description automatically generated">
+            <a:extLst>
+              <a:ext uri="{FF2B5EF4-FFF2-40B4-BE49-F238E27FC236}">
+                <a16:creationId xmlns:a16="http://schemas.microsoft.com/office/drawing/2014/main" id="{D7644BAC-132C-41AD-91F2-79EDBDD150FD}"/>
+              </a:ext>
+            </a:extLst>
+          </p:cNvPr>
+          <p:cNvPicPr>
+            <a:picLocks noGrp="1" noChangeAspect="1"/>
+          </p:cNvPicPr>
+          <p:nvPr>
+            <p:ph idx="1"/>
+          </p:nvPr>
+        </p:nvPicPr>
+        <p:blipFill rotWithShape="1">
+          <a:blip r:embed="rId3"/>
+          <a:srcRect t="3238" r="-1" b="-1"/>
+          <a:stretch/>
+        </p:blipFill>
+        <p:spPr>
+          <a:xfrm>
+            <a:off x="452628" y="1690688"/>
+            <a:ext cx="11283695" cy="4776755"/>
+          </a:xfrm>
+          <a:prstGeom prst="rect">
+            <a:avLst/>
+          </a:prstGeom>
+        </p:spPr>
+      </p:pic>
+      <p:sp>
+        <p:nvSpPr>
+          <p:cNvPr id="8" name="Oval 7">
+            <a:extLst>
+              <a:ext uri="{FF2B5EF4-FFF2-40B4-BE49-F238E27FC236}">
+                <a16:creationId xmlns:a16="http://schemas.microsoft.com/office/drawing/2014/main" id="{B19D8BDC-021C-43E7-8A7F-010572CFF370}"/>
+              </a:ext>
+            </a:extLst>
+          </p:cNvPr>
+          <p:cNvSpPr/>
+          <p:nvPr/>
+        </p:nvSpPr>
+        <p:spPr>
+          <a:xfrm>
+            <a:off x="981776" y="6156162"/>
+            <a:ext cx="279133" cy="279133"/>
+          </a:xfrm>
+          <a:prstGeom prst="ellipse">
+            <a:avLst/>
+          </a:prstGeom>
+          <a:noFill/>
+          <a:ln w="38100">
+            <a:solidFill>
+              <a:srgbClr val="FF0000"/>
+            </a:solidFill>
+            <a:prstDash val="solid"/>
+          </a:ln>
+        </p:spPr>
+        <p:style>
+          <a:lnRef idx="2">
+            <a:schemeClr val="accent1">
+              <a:shade val="50000"/>
+            </a:schemeClr>
+          </a:lnRef>
+          <a:fillRef idx="1">
+            <a:schemeClr val="accent1"/>
+          </a:fillRef>
+          <a:effectRef idx="0">
+            <a:schemeClr val="accent1"/>
+          </a:effectRef>
+          <a:fontRef idx="minor">
+            <a:schemeClr val="lt1"/>
+          </a:fontRef>
+        </p:style>
+        <p:txBody>
+          <a:bodyPr rtlCol="0" anchor="ctr"/>
+          <a:lstStyle/>
+          <a:p>
+            <a:pPr algn="ctr"/>
+            <a:endParaRPr lang="sv-SE"/>
+          </a:p>
+        </p:txBody>
+      </p:sp>
+      <p:sp>
+        <p:nvSpPr>
+          <p:cNvPr id="9" name="TextBox 8">
+            <a:extLst>
+              <a:ext uri="{FF2B5EF4-FFF2-40B4-BE49-F238E27FC236}">
+                <a16:creationId xmlns:a16="http://schemas.microsoft.com/office/drawing/2014/main" id="{BDC6FAC5-01FA-4BEC-90FC-1B46B57FBB4B}"/>
+              </a:ext>
+            </a:extLst>
+          </p:cNvPr>
+          <p:cNvSpPr txBox="1"/>
+          <p:nvPr/>
+        </p:nvSpPr>
+        <p:spPr>
+          <a:xfrm>
+            <a:off x="952866" y="6380032"/>
+            <a:ext cx="336952" cy="461665"/>
+          </a:xfrm>
+          <a:prstGeom prst="rect">
+            <a:avLst/>
+          </a:prstGeom>
+          <a:noFill/>
+        </p:spPr>
+        <p:txBody>
+          <a:bodyPr wrap="square" rtlCol="0">
+            <a:spAutoFit/>
+          </a:bodyPr>
+          <a:lstStyle/>
+          <a:p>
+            <a:r>
+              <a:rPr lang="sv-SE" sz="2400" b="1" dirty="0">
+                <a:solidFill>
+                  <a:srgbClr val="FF0000"/>
+                </a:solidFill>
+              </a:rPr>
+              <a:t>a</a:t>
+            </a:r>
+          </a:p>
+        </p:txBody>
+      </p:sp>
+      <p:cxnSp>
+        <p:nvCxnSpPr>
+          <p:cNvPr id="11" name="Straight Connector 10">
+            <a:extLst>
+              <a:ext uri="{FF2B5EF4-FFF2-40B4-BE49-F238E27FC236}">
+                <a16:creationId xmlns:a16="http://schemas.microsoft.com/office/drawing/2014/main" id="{CBAF1C33-784D-4249-8DE6-D64CCDFB6F0C}"/>
+              </a:ext>
+            </a:extLst>
+          </p:cNvPr>
+          <p:cNvCxnSpPr>
+            <a:cxnSpLocks/>
+            <a:stCxn id="8" idx="0"/>
+          </p:cNvCxnSpPr>
+          <p:nvPr/>
+        </p:nvCxnSpPr>
+        <p:spPr>
+          <a:xfrm flipH="1" flipV="1">
+            <a:off x="1121342" y="5707781"/>
+            <a:ext cx="1" cy="448381"/>
+          </a:xfrm>
+          <a:prstGeom prst="line">
+            <a:avLst/>
+          </a:prstGeom>
+          <a:ln w="38100">
+            <a:solidFill>
+              <a:srgbClr val="FF0000"/>
+            </a:solidFill>
+            <a:prstDash val="sysDot"/>
+          </a:ln>
+        </p:spPr>
+        <p:style>
+          <a:lnRef idx="1">
+            <a:schemeClr val="accent1"/>
+          </a:lnRef>
+          <a:fillRef idx="0">
+            <a:schemeClr val="accent1"/>
+          </a:fillRef>
+          <a:effectRef idx="0">
+            <a:schemeClr val="accent1"/>
+          </a:effectRef>
+          <a:fontRef idx="minor">
+            <a:schemeClr val="tx1"/>
+          </a:fontRef>
+        </p:style>
+      </p:cxnSp>
+      <p:cxnSp>
+        <p:nvCxnSpPr>
+          <p:cNvPr id="13" name="Straight Connector 12">
+            <a:extLst>
+              <a:ext uri="{FF2B5EF4-FFF2-40B4-BE49-F238E27FC236}">
+                <a16:creationId xmlns:a16="http://schemas.microsoft.com/office/drawing/2014/main" id="{8FFC83CB-7FC8-47BB-98A8-4FF3C3FE764B}"/>
+              </a:ext>
+            </a:extLst>
+          </p:cNvPr>
+          <p:cNvCxnSpPr>
+            <a:cxnSpLocks/>
+          </p:cNvCxnSpPr>
+          <p:nvPr/>
+        </p:nvCxnSpPr>
+        <p:spPr>
+          <a:xfrm flipH="1">
+            <a:off x="668713" y="5765604"/>
+            <a:ext cx="443108" cy="1"/>
+          </a:xfrm>
+          <a:prstGeom prst="line">
+            <a:avLst/>
+          </a:prstGeom>
+          <a:ln w="38100">
+            <a:solidFill>
+              <a:schemeClr val="accent2">
+                <a:lumMod val="50000"/>
+              </a:schemeClr>
+            </a:solidFill>
+            <a:prstDash val="sysDot"/>
+          </a:ln>
+        </p:spPr>
+        <p:style>
+          <a:lnRef idx="1">
+            <a:schemeClr val="accent1"/>
+          </a:lnRef>
+          <a:fillRef idx="0">
+            <a:schemeClr val="accent1"/>
+          </a:fillRef>
+          <a:effectRef idx="0">
+            <a:schemeClr val="accent1"/>
+          </a:effectRef>
+          <a:fontRef idx="minor">
+            <a:schemeClr val="tx1"/>
+          </a:fontRef>
+        </p:style>
+      </p:cxnSp>
+      <p:sp>
+        <p:nvSpPr>
+          <p:cNvPr id="16" name="TextBox 15">
+            <a:extLst>
+              <a:ext uri="{FF2B5EF4-FFF2-40B4-BE49-F238E27FC236}">
+                <a16:creationId xmlns:a16="http://schemas.microsoft.com/office/drawing/2014/main" id="{1F34FEE8-50F3-4252-822C-EA9A063B60E0}"/>
+              </a:ext>
+            </a:extLst>
+          </p:cNvPr>
+          <p:cNvSpPr txBox="1"/>
+          <p:nvPr/>
+        </p:nvSpPr>
+        <p:spPr>
+          <a:xfrm>
+            <a:off x="331761" y="5476948"/>
+            <a:ext cx="336952" cy="461665"/>
+          </a:xfrm>
+          <a:prstGeom prst="rect">
+            <a:avLst/>
+          </a:prstGeom>
+          <a:noFill/>
+        </p:spPr>
+        <p:txBody>
+          <a:bodyPr wrap="square" rtlCol="0">
+            <a:spAutoFit/>
+          </a:bodyPr>
+          <a:lstStyle/>
+          <a:p>
+            <a:r>
+              <a:rPr lang="sv-SE" sz="2400" b="1" dirty="0">
+                <a:solidFill>
+                  <a:schemeClr val="accent2">
+                    <a:lumMod val="50000"/>
+                  </a:schemeClr>
+                </a:solidFill>
+              </a:rPr>
+              <a:t>a</a:t>
+            </a:r>
+          </a:p>
+        </p:txBody>
+      </p:sp>
+      <p:sp>
+        <p:nvSpPr>
+          <p:cNvPr id="18" name="Oval 17">
+            <a:extLst>
+              <a:ext uri="{FF2B5EF4-FFF2-40B4-BE49-F238E27FC236}">
+                <a16:creationId xmlns:a16="http://schemas.microsoft.com/office/drawing/2014/main" id="{933901EC-73F9-47AB-BEF4-D4CC93BE1192}"/>
+              </a:ext>
+            </a:extLst>
+          </p:cNvPr>
+          <p:cNvSpPr/>
+          <p:nvPr/>
+        </p:nvSpPr>
+        <p:spPr>
+          <a:xfrm>
+            <a:off x="11031456" y="6100899"/>
+            <a:ext cx="279133" cy="279133"/>
+          </a:xfrm>
+          <a:prstGeom prst="ellipse">
+            <a:avLst/>
+          </a:prstGeom>
+          <a:noFill/>
+          <a:ln w="38100">
+            <a:solidFill>
+              <a:srgbClr val="FF0000"/>
+            </a:solidFill>
+            <a:prstDash val="solid"/>
+          </a:ln>
+        </p:spPr>
+        <p:style>
+          <a:lnRef idx="2">
+            <a:schemeClr val="accent1">
+              <a:shade val="50000"/>
+            </a:schemeClr>
+          </a:lnRef>
+          <a:fillRef idx="1">
+            <a:schemeClr val="accent1"/>
+          </a:fillRef>
+          <a:effectRef idx="0">
+            <a:schemeClr val="accent1"/>
+          </a:effectRef>
+          <a:fontRef idx="minor">
+            <a:schemeClr val="lt1"/>
+          </a:fontRef>
+        </p:style>
+        <p:txBody>
+          <a:bodyPr rtlCol="0" anchor="ctr"/>
+          <a:lstStyle/>
+          <a:p>
+            <a:pPr algn="ctr"/>
+            <a:endParaRPr lang="sv-SE"/>
+          </a:p>
+        </p:txBody>
+      </p:sp>
+      <p:cxnSp>
+        <p:nvCxnSpPr>
+          <p:cNvPr id="19" name="Straight Connector 18">
+            <a:extLst>
+              <a:ext uri="{FF2B5EF4-FFF2-40B4-BE49-F238E27FC236}">
+                <a16:creationId xmlns:a16="http://schemas.microsoft.com/office/drawing/2014/main" id="{ECB37B95-382D-49EA-9208-FABF696E7D04}"/>
+              </a:ext>
+            </a:extLst>
+          </p:cNvPr>
+          <p:cNvCxnSpPr>
+            <a:cxnSpLocks/>
+            <a:stCxn id="18" idx="0"/>
+          </p:cNvCxnSpPr>
+          <p:nvPr/>
+        </p:nvCxnSpPr>
+        <p:spPr>
+          <a:xfrm flipH="1" flipV="1">
+            <a:off x="11151977" y="5317545"/>
+            <a:ext cx="19046" cy="783354"/>
+          </a:xfrm>
+          <a:prstGeom prst="line">
+            <a:avLst/>
+          </a:prstGeom>
+          <a:ln w="38100">
+            <a:solidFill>
+              <a:srgbClr val="FF0000"/>
+            </a:solidFill>
+            <a:prstDash val="sysDot"/>
+          </a:ln>
+        </p:spPr>
+        <p:style>
+          <a:lnRef idx="1">
+            <a:schemeClr val="accent1"/>
+          </a:lnRef>
+          <a:fillRef idx="0">
+            <a:schemeClr val="accent1"/>
+          </a:fillRef>
+          <a:effectRef idx="0">
+            <a:schemeClr val="accent1"/>
+          </a:effectRef>
+          <a:fontRef idx="minor">
+            <a:schemeClr val="tx1"/>
+          </a:fontRef>
+        </p:style>
+      </p:cxnSp>
+      <p:sp>
+        <p:nvSpPr>
+          <p:cNvPr id="23" name="TextBox 22">
+            <a:extLst>
+              <a:ext uri="{FF2B5EF4-FFF2-40B4-BE49-F238E27FC236}">
+                <a16:creationId xmlns:a16="http://schemas.microsoft.com/office/drawing/2014/main" id="{786B36A3-C1F3-4E57-A575-A23C96423A6B}"/>
+              </a:ext>
+            </a:extLst>
+          </p:cNvPr>
+          <p:cNvSpPr txBox="1"/>
+          <p:nvPr/>
+        </p:nvSpPr>
+        <p:spPr>
+          <a:xfrm>
+            <a:off x="11017786" y="6305069"/>
+            <a:ext cx="336952" cy="461665"/>
+          </a:xfrm>
+          <a:prstGeom prst="rect">
+            <a:avLst/>
+          </a:prstGeom>
+          <a:noFill/>
+        </p:spPr>
+        <p:txBody>
+          <a:bodyPr wrap="square" rtlCol="0">
+            <a:spAutoFit/>
+          </a:bodyPr>
+          <a:lstStyle/>
+          <a:p>
+            <a:r>
+              <a:rPr lang="sv-SE" sz="2400" b="1" dirty="0">
+                <a:solidFill>
+                  <a:srgbClr val="FF0000"/>
+                </a:solidFill>
+              </a:rPr>
+              <a:t>z</a:t>
+            </a:r>
+          </a:p>
+        </p:txBody>
+      </p:sp>
+      <p:cxnSp>
+        <p:nvCxnSpPr>
+          <p:cNvPr id="24" name="Straight Connector 23">
+            <a:extLst>
+              <a:ext uri="{FF2B5EF4-FFF2-40B4-BE49-F238E27FC236}">
+                <a16:creationId xmlns:a16="http://schemas.microsoft.com/office/drawing/2014/main" id="{BC7BC471-5A36-4909-8AA6-ADE50B1F475F}"/>
+              </a:ext>
+            </a:extLst>
+          </p:cNvPr>
+          <p:cNvCxnSpPr>
+            <a:cxnSpLocks/>
+          </p:cNvCxnSpPr>
+          <p:nvPr/>
+        </p:nvCxnSpPr>
+        <p:spPr>
+          <a:xfrm flipH="1" flipV="1">
+            <a:off x="695143" y="5272778"/>
+            <a:ext cx="10491120" cy="54465"/>
+          </a:xfrm>
+          <a:prstGeom prst="line">
+            <a:avLst/>
+          </a:prstGeom>
+          <a:ln w="38100">
+            <a:solidFill>
+              <a:schemeClr val="accent2">
+                <a:lumMod val="50000"/>
+              </a:schemeClr>
+            </a:solidFill>
+            <a:prstDash val="sysDot"/>
+          </a:ln>
+        </p:spPr>
+        <p:style>
+          <a:lnRef idx="1">
+            <a:schemeClr val="accent1"/>
+          </a:lnRef>
+          <a:fillRef idx="0">
+            <a:schemeClr val="accent1"/>
+          </a:fillRef>
+          <a:effectRef idx="0">
+            <a:schemeClr val="accent1"/>
+          </a:effectRef>
+          <a:fontRef idx="minor">
+            <a:schemeClr val="tx1"/>
+          </a:fontRef>
+        </p:style>
+      </p:cxnSp>
+      <p:sp>
+        <p:nvSpPr>
+          <p:cNvPr id="26" name="TextBox 25">
+            <a:extLst>
+              <a:ext uri="{FF2B5EF4-FFF2-40B4-BE49-F238E27FC236}">
+                <a16:creationId xmlns:a16="http://schemas.microsoft.com/office/drawing/2014/main" id="{7E5B671F-F5F2-4832-BAD2-685CF6232533}"/>
+              </a:ext>
+            </a:extLst>
+          </p:cNvPr>
+          <p:cNvSpPr txBox="1"/>
+          <p:nvPr/>
+        </p:nvSpPr>
+        <p:spPr>
+          <a:xfrm>
+            <a:off x="365128" y="5102694"/>
+            <a:ext cx="336952" cy="461665"/>
+          </a:xfrm>
+          <a:prstGeom prst="rect">
+            <a:avLst/>
+          </a:prstGeom>
+          <a:noFill/>
+        </p:spPr>
+        <p:txBody>
+          <a:bodyPr wrap="square" rtlCol="0">
+            <a:spAutoFit/>
+          </a:bodyPr>
+          <a:lstStyle/>
+          <a:p>
+            <a:r>
+              <a:rPr lang="sv-SE" sz="2400" b="1" dirty="0">
+                <a:solidFill>
+                  <a:schemeClr val="accent2">
+                    <a:lumMod val="50000"/>
+                  </a:schemeClr>
+                </a:solidFill>
+              </a:rPr>
+              <a:t>b</a:t>
+            </a:r>
+          </a:p>
+        </p:txBody>
+      </p:sp>
+      <p:sp>
+        <p:nvSpPr>
+          <p:cNvPr id="27" name="Oval 26">
+            <a:extLst>
+              <a:ext uri="{FF2B5EF4-FFF2-40B4-BE49-F238E27FC236}">
+                <a16:creationId xmlns:a16="http://schemas.microsoft.com/office/drawing/2014/main" id="{613100DA-835D-4DBB-A5FF-CE3563A340B1}"/>
+              </a:ext>
+            </a:extLst>
+          </p:cNvPr>
+          <p:cNvSpPr/>
+          <p:nvPr/>
+        </p:nvSpPr>
+        <p:spPr>
+          <a:xfrm>
+            <a:off x="10625235" y="6100899"/>
+            <a:ext cx="279133" cy="279133"/>
+          </a:xfrm>
+          <a:prstGeom prst="ellipse">
+            <a:avLst/>
+          </a:prstGeom>
+          <a:noFill/>
+          <a:ln w="38100">
+            <a:solidFill>
+              <a:srgbClr val="FF0000"/>
+            </a:solidFill>
+            <a:prstDash val="solid"/>
+          </a:ln>
+        </p:spPr>
+        <p:style>
+          <a:lnRef idx="2">
+            <a:schemeClr val="accent1">
+              <a:shade val="50000"/>
+            </a:schemeClr>
+          </a:lnRef>
+          <a:fillRef idx="1">
+            <a:schemeClr val="accent1"/>
+          </a:fillRef>
+          <a:effectRef idx="0">
+            <a:schemeClr val="accent1"/>
+          </a:effectRef>
+          <a:fontRef idx="minor">
+            <a:schemeClr val="lt1"/>
+          </a:fontRef>
+        </p:style>
+        <p:txBody>
+          <a:bodyPr rtlCol="0" anchor="ctr"/>
+          <a:lstStyle/>
+          <a:p>
+            <a:pPr algn="ctr"/>
+            <a:endParaRPr lang="sv-SE"/>
+          </a:p>
+        </p:txBody>
+      </p:sp>
+      <p:cxnSp>
+        <p:nvCxnSpPr>
+          <p:cNvPr id="28" name="Straight Connector 27">
+            <a:extLst>
+              <a:ext uri="{FF2B5EF4-FFF2-40B4-BE49-F238E27FC236}">
+                <a16:creationId xmlns:a16="http://schemas.microsoft.com/office/drawing/2014/main" id="{260E69D9-CB69-445A-A8C0-7CA266F4F882}"/>
+              </a:ext>
+            </a:extLst>
+          </p:cNvPr>
+          <p:cNvCxnSpPr>
+            <a:cxnSpLocks/>
+            <a:stCxn id="27" idx="0"/>
+          </p:cNvCxnSpPr>
+          <p:nvPr/>
+        </p:nvCxnSpPr>
+        <p:spPr>
+          <a:xfrm flipV="1">
+            <a:off x="10764802" y="5201395"/>
+            <a:ext cx="12551" cy="899504"/>
+          </a:xfrm>
+          <a:prstGeom prst="line">
+            <a:avLst/>
+          </a:prstGeom>
+          <a:ln w="38100">
+            <a:solidFill>
+              <a:srgbClr val="FF0000"/>
+            </a:solidFill>
+            <a:prstDash val="sysDot"/>
+          </a:ln>
+        </p:spPr>
+        <p:style>
+          <a:lnRef idx="1">
+            <a:schemeClr val="accent1"/>
+          </a:lnRef>
+          <a:fillRef idx="0">
+            <a:schemeClr val="accent1"/>
+          </a:fillRef>
+          <a:effectRef idx="0">
+            <a:schemeClr val="accent1"/>
+          </a:effectRef>
+          <a:fontRef idx="minor">
+            <a:schemeClr val="tx1"/>
+          </a:fontRef>
+        </p:style>
+      </p:cxnSp>
+      <p:sp>
+        <p:nvSpPr>
+          <p:cNvPr id="31" name="TextBox 30">
+            <a:extLst>
+              <a:ext uri="{FF2B5EF4-FFF2-40B4-BE49-F238E27FC236}">
+                <a16:creationId xmlns:a16="http://schemas.microsoft.com/office/drawing/2014/main" id="{400D6803-19FF-4557-95E3-C2EAA1D9205F}"/>
+              </a:ext>
+            </a:extLst>
+          </p:cNvPr>
+          <p:cNvSpPr txBox="1"/>
+          <p:nvPr/>
+        </p:nvSpPr>
+        <p:spPr>
+          <a:xfrm>
+            <a:off x="10605722" y="6302465"/>
+            <a:ext cx="336952" cy="461665"/>
+          </a:xfrm>
+          <a:prstGeom prst="rect">
+            <a:avLst/>
+          </a:prstGeom>
+          <a:noFill/>
+        </p:spPr>
+        <p:txBody>
+          <a:bodyPr wrap="square" rtlCol="0">
+            <a:spAutoFit/>
+          </a:bodyPr>
+          <a:lstStyle/>
+          <a:p>
+            <a:r>
+              <a:rPr lang="sv-SE" sz="2400" b="1" dirty="0">
+                <a:solidFill>
+                  <a:srgbClr val="FF0000"/>
+                </a:solidFill>
+              </a:rPr>
+              <a:t>y</a:t>
+            </a:r>
+          </a:p>
+        </p:txBody>
+      </p:sp>
+      <p:cxnSp>
+        <p:nvCxnSpPr>
+          <p:cNvPr id="32" name="Straight Connector 31">
+            <a:extLst>
+              <a:ext uri="{FF2B5EF4-FFF2-40B4-BE49-F238E27FC236}">
+                <a16:creationId xmlns:a16="http://schemas.microsoft.com/office/drawing/2014/main" id="{492F3A1C-0783-4768-AD2E-2B0429AB7F2A}"/>
+              </a:ext>
+            </a:extLst>
+          </p:cNvPr>
+          <p:cNvCxnSpPr>
+            <a:cxnSpLocks/>
+          </p:cNvCxnSpPr>
+          <p:nvPr/>
+        </p:nvCxnSpPr>
+        <p:spPr>
+          <a:xfrm flipH="1" flipV="1">
+            <a:off x="695143" y="5149384"/>
+            <a:ext cx="10069660" cy="52013"/>
+          </a:xfrm>
+          <a:prstGeom prst="line">
+            <a:avLst/>
+          </a:prstGeom>
+          <a:ln w="38100">
+            <a:solidFill>
+              <a:schemeClr val="accent2">
+                <a:lumMod val="50000"/>
+              </a:schemeClr>
+            </a:solidFill>
+            <a:prstDash val="sysDot"/>
+          </a:ln>
+        </p:spPr>
+        <p:style>
+          <a:lnRef idx="1">
+            <a:schemeClr val="accent1"/>
+          </a:lnRef>
+          <a:fillRef idx="0">
+            <a:schemeClr val="accent1"/>
+          </a:fillRef>
+          <a:effectRef idx="0">
+            <a:schemeClr val="accent1"/>
+          </a:effectRef>
+          <a:fontRef idx="minor">
+            <a:schemeClr val="tx1"/>
+          </a:fontRef>
+        </p:style>
+      </p:cxnSp>
+      <p:sp>
+        <p:nvSpPr>
+          <p:cNvPr id="34" name="TextBox 33">
+            <a:extLst>
+              <a:ext uri="{FF2B5EF4-FFF2-40B4-BE49-F238E27FC236}">
+                <a16:creationId xmlns:a16="http://schemas.microsoft.com/office/drawing/2014/main" id="{ACA3C887-8240-489B-8496-D1810D7D81A5}"/>
+              </a:ext>
+            </a:extLst>
+          </p:cNvPr>
+          <p:cNvSpPr txBox="1"/>
+          <p:nvPr/>
+        </p:nvSpPr>
+        <p:spPr>
+          <a:xfrm>
+            <a:off x="358034" y="4877398"/>
+            <a:ext cx="336952" cy="461665"/>
+          </a:xfrm>
+          <a:prstGeom prst="rect">
+            <a:avLst/>
+          </a:prstGeom>
+          <a:noFill/>
+        </p:spPr>
+        <p:txBody>
+          <a:bodyPr wrap="square" rtlCol="0">
+            <a:spAutoFit/>
+          </a:bodyPr>
+          <a:lstStyle/>
+          <a:p>
+            <a:r>
+              <a:rPr lang="sv-SE" sz="2400" b="1" dirty="0">
+                <a:solidFill>
+                  <a:schemeClr val="accent2">
+                    <a:lumMod val="50000"/>
+                  </a:schemeClr>
+                </a:solidFill>
+              </a:rPr>
+              <a:t>c</a:t>
+            </a:r>
+          </a:p>
+        </p:txBody>
+      </p:sp>
+      <p:sp>
+        <p:nvSpPr>
+          <p:cNvPr id="35" name="Oval 34">
+            <a:extLst>
+              <a:ext uri="{FF2B5EF4-FFF2-40B4-BE49-F238E27FC236}">
+                <a16:creationId xmlns:a16="http://schemas.microsoft.com/office/drawing/2014/main" id="{9F2C9C2F-DF23-41F7-A3A2-A887C1742B46}"/>
+              </a:ext>
+            </a:extLst>
+          </p:cNvPr>
+          <p:cNvSpPr/>
+          <p:nvPr/>
+        </p:nvSpPr>
+        <p:spPr>
+          <a:xfrm>
+            <a:off x="1385309" y="6156162"/>
+            <a:ext cx="279133" cy="279133"/>
+          </a:xfrm>
+          <a:prstGeom prst="ellipse">
+            <a:avLst/>
+          </a:prstGeom>
+          <a:noFill/>
+          <a:ln w="38100">
+            <a:solidFill>
+              <a:srgbClr val="FF0000"/>
+            </a:solidFill>
+            <a:prstDash val="solid"/>
+          </a:ln>
+        </p:spPr>
+        <p:style>
+          <a:lnRef idx="2">
+            <a:schemeClr val="accent1">
+              <a:shade val="50000"/>
+            </a:schemeClr>
+          </a:lnRef>
+          <a:fillRef idx="1">
+            <a:schemeClr val="accent1"/>
+          </a:fillRef>
+          <a:effectRef idx="0">
+            <a:schemeClr val="accent1"/>
+          </a:effectRef>
+          <a:fontRef idx="minor">
+            <a:schemeClr val="lt1"/>
+          </a:fontRef>
+        </p:style>
+        <p:txBody>
+          <a:bodyPr rtlCol="0" anchor="ctr"/>
+          <a:lstStyle/>
+          <a:p>
+            <a:pPr algn="ctr"/>
+            <a:endParaRPr lang="sv-SE"/>
+          </a:p>
+        </p:txBody>
+      </p:sp>
+      <p:sp>
+        <p:nvSpPr>
+          <p:cNvPr id="36" name="TextBox 35">
+            <a:extLst>
+              <a:ext uri="{FF2B5EF4-FFF2-40B4-BE49-F238E27FC236}">
+                <a16:creationId xmlns:a16="http://schemas.microsoft.com/office/drawing/2014/main" id="{1FEEEA05-80F8-4CBB-B82B-1F64E49A0EAE}"/>
+              </a:ext>
+            </a:extLst>
+          </p:cNvPr>
+          <p:cNvSpPr txBox="1"/>
+          <p:nvPr/>
+        </p:nvSpPr>
+        <p:spPr>
+          <a:xfrm>
+            <a:off x="1366191" y="6407407"/>
+            <a:ext cx="336952" cy="461665"/>
+          </a:xfrm>
+          <a:prstGeom prst="rect">
+            <a:avLst/>
+          </a:prstGeom>
+          <a:noFill/>
+        </p:spPr>
+        <p:txBody>
+          <a:bodyPr wrap="square" rtlCol="0">
+            <a:spAutoFit/>
+          </a:bodyPr>
+          <a:lstStyle/>
+          <a:p>
+            <a:r>
+              <a:rPr lang="sv-SE" sz="2400" b="1" dirty="0">
+                <a:solidFill>
+                  <a:srgbClr val="FF0000"/>
+                </a:solidFill>
+              </a:rPr>
+              <a:t>b</a:t>
+            </a:r>
+          </a:p>
+        </p:txBody>
+      </p:sp>
+      <p:cxnSp>
+        <p:nvCxnSpPr>
+          <p:cNvPr id="37" name="Straight Connector 36">
+            <a:extLst>
+              <a:ext uri="{FF2B5EF4-FFF2-40B4-BE49-F238E27FC236}">
+                <a16:creationId xmlns:a16="http://schemas.microsoft.com/office/drawing/2014/main" id="{C74A2524-47E9-4888-A755-1058A11B020E}"/>
+              </a:ext>
+            </a:extLst>
+          </p:cNvPr>
+          <p:cNvCxnSpPr>
+            <a:cxnSpLocks/>
+            <a:stCxn id="35" idx="0"/>
+          </p:cNvCxnSpPr>
+          <p:nvPr/>
+        </p:nvCxnSpPr>
+        <p:spPr>
+          <a:xfrm flipV="1">
+            <a:off x="1524876" y="5028036"/>
+            <a:ext cx="19702" cy="1128126"/>
+          </a:xfrm>
+          <a:prstGeom prst="line">
+            <a:avLst/>
+          </a:prstGeom>
+          <a:ln w="38100">
+            <a:solidFill>
+              <a:srgbClr val="FF0000"/>
+            </a:solidFill>
+            <a:prstDash val="sysDot"/>
+          </a:ln>
+        </p:spPr>
+        <p:style>
+          <a:lnRef idx="1">
+            <a:schemeClr val="accent1"/>
+          </a:lnRef>
+          <a:fillRef idx="0">
+            <a:schemeClr val="accent1"/>
+          </a:fillRef>
+          <a:effectRef idx="0">
+            <a:schemeClr val="accent1"/>
+          </a:effectRef>
+          <a:fontRef idx="minor">
+            <a:schemeClr val="tx1"/>
+          </a:fontRef>
+        </p:style>
+      </p:cxnSp>
+      <p:cxnSp>
+        <p:nvCxnSpPr>
+          <p:cNvPr id="40" name="Straight Connector 39">
+            <a:extLst>
+              <a:ext uri="{FF2B5EF4-FFF2-40B4-BE49-F238E27FC236}">
+                <a16:creationId xmlns:a16="http://schemas.microsoft.com/office/drawing/2014/main" id="{2646010E-FA0B-411A-801A-FB9F8BD988BD}"/>
+              </a:ext>
+            </a:extLst>
+          </p:cNvPr>
+          <p:cNvCxnSpPr>
+            <a:cxnSpLocks/>
+          </p:cNvCxnSpPr>
+          <p:nvPr/>
+        </p:nvCxnSpPr>
+        <p:spPr>
+          <a:xfrm flipH="1" flipV="1">
+            <a:off x="715960" y="5021162"/>
+            <a:ext cx="818707" cy="14150"/>
+          </a:xfrm>
+          <a:prstGeom prst="line">
+            <a:avLst/>
+          </a:prstGeom>
+          <a:ln w="38100">
+            <a:solidFill>
+              <a:schemeClr val="accent2">
+                <a:lumMod val="50000"/>
+              </a:schemeClr>
+            </a:solidFill>
+            <a:prstDash val="sysDot"/>
+          </a:ln>
+        </p:spPr>
+        <p:style>
+          <a:lnRef idx="1">
+            <a:schemeClr val="accent1"/>
+          </a:lnRef>
+          <a:fillRef idx="0">
+            <a:schemeClr val="accent1"/>
+          </a:fillRef>
+          <a:effectRef idx="0">
+            <a:schemeClr val="accent1"/>
+          </a:effectRef>
+          <a:fontRef idx="minor">
+            <a:schemeClr val="tx1"/>
+          </a:fontRef>
+        </p:style>
+      </p:cxnSp>
+      <p:sp>
+        <p:nvSpPr>
+          <p:cNvPr id="50" name="TextBox 49">
+            <a:extLst>
+              <a:ext uri="{FF2B5EF4-FFF2-40B4-BE49-F238E27FC236}">
+                <a16:creationId xmlns:a16="http://schemas.microsoft.com/office/drawing/2014/main" id="{DAA27A67-1EA7-4D25-BDCD-B3C7614ABB27}"/>
+              </a:ext>
+            </a:extLst>
+          </p:cNvPr>
+          <p:cNvSpPr txBox="1"/>
+          <p:nvPr/>
+        </p:nvSpPr>
+        <p:spPr>
+          <a:xfrm>
+            <a:off x="366811" y="4652102"/>
+            <a:ext cx="336952" cy="461665"/>
+          </a:xfrm>
+          <a:prstGeom prst="rect">
+            <a:avLst/>
+          </a:prstGeom>
+          <a:noFill/>
+        </p:spPr>
+        <p:txBody>
+          <a:bodyPr wrap="square" rtlCol="0">
+            <a:spAutoFit/>
+          </a:bodyPr>
+          <a:lstStyle/>
+          <a:p>
+            <a:r>
+              <a:rPr lang="sv-SE" sz="2400" b="1" dirty="0">
+                <a:solidFill>
+                  <a:schemeClr val="accent2">
+                    <a:lumMod val="50000"/>
+                  </a:schemeClr>
+                </a:solidFill>
+              </a:rPr>
+              <a:t>d</a:t>
+            </a:r>
+          </a:p>
+        </p:txBody>
+      </p:sp>
+      <p:pic>
+        <p:nvPicPr>
+          <p:cNvPr id="51" name="Picture 50" descr="Icon&#10;&#10;Description automatically generated">
+            <a:extLst>
+              <a:ext uri="{FF2B5EF4-FFF2-40B4-BE49-F238E27FC236}">
+                <a16:creationId xmlns:a16="http://schemas.microsoft.com/office/drawing/2014/main" id="{868BA966-47FA-4875-9A25-76BD5D07C646}"/>
+              </a:ext>
+            </a:extLst>
+          </p:cNvPr>
+          <p:cNvPicPr>
+            <a:picLocks noChangeAspect="1"/>
+          </p:cNvPicPr>
+          <p:nvPr/>
+        </p:nvPicPr>
+        <p:blipFill>
+          <a:blip r:embed="rId4">
+            <a:extLst>
+              <a:ext uri="{28A0092B-C50C-407E-A947-70E740481C1C}">
+                <a14:useLocalDpi xmlns:a14="http://schemas.microsoft.com/office/drawing/2010/main" val="0"/>
+              </a:ext>
+              <a:ext uri="{837473B0-CC2E-450A-ABE3-18F120FF3D39}">
+                <a1611:picAttrSrcUrl xmlns:a1611="http://schemas.microsoft.com/office/drawing/2016/11/main" r:id="rId5"/>
+              </a:ext>
+            </a:extLst>
+          </a:blip>
+          <a:stretch>
+            <a:fillRect/>
+          </a:stretch>
+        </p:blipFill>
+        <p:spPr>
+          <a:xfrm>
+            <a:off x="10758903" y="230188"/>
+            <a:ext cx="1189794" cy="1189794"/>
+          </a:xfrm>
+          <a:prstGeom prst="rect">
+            <a:avLst/>
+          </a:prstGeom>
+        </p:spPr>
+      </p:pic>
+    </p:spTree>
+    <p:extLst>
+      <p:ext uri="{BB962C8B-B14F-4D97-AF65-F5344CB8AC3E}">
+        <p14:creationId xmlns:p14="http://schemas.microsoft.com/office/powerpoint/2010/main" val="2165588954"/>
+      </p:ext>
+    </p:extLst>
+  </p:cSld>
+  <p:clrMapOvr>
+    <a:masterClrMapping/>
+  </p:clrMapOvr>
+  <p:timing>
+    <p:tnLst>
+      <p:par>
+        <p:cTn id="1" dur="indefinite" restart="never" nodeType="tmRoot">
+          <p:childTnLst>
+            <p:seq concurrent="1" nextAc="seek">
+              <p:cTn id="2" dur="indefinite" nodeType="mainSeq">
+                <p:childTnLst>
+                  <p:par>
+                    <p:cTn id="3" fill="hold">
+                      <p:stCondLst>
+                        <p:cond delay="indefinite"/>
+                      </p:stCondLst>
+                      <p:childTnLst>
+                        <p:par>
+                          <p:cTn id="4" fill="hold">
+                            <p:stCondLst>
+                              <p:cond delay="0"/>
+                            </p:stCondLst>
+                            <p:childTnLst>
+                              <p:par>
+                                <p:cTn id="5" presetID="10" presetClass="entr" presetSubtype="0" fill="hold" grpId="0" nodeType="clickEffect">
+                                  <p:stCondLst>
+                                    <p:cond delay="0"/>
+                                  </p:stCondLst>
+                                  <p:childTnLst>
+                                    <p:set>
+                                      <p:cBhvr>
+                                        <p:cTn id="6" dur="1" fill="hold">
+                                          <p:stCondLst>
+                                            <p:cond delay="0"/>
+                                          </p:stCondLst>
+                                        </p:cTn>
+                                        <p:tgtEl>
+                                          <p:spTgt spid="9"/>
+                                        </p:tgtEl>
+                                        <p:attrNameLst>
+                                          <p:attrName>style.visibility</p:attrName>
+                                        </p:attrNameLst>
+                                      </p:cBhvr>
+                                      <p:to>
+                                        <p:strVal val="visible"/>
+                                      </p:to>
+                                    </p:set>
+                                    <p:animEffect transition="in" filter="fade">
+                                      <p:cBhvr>
+                                        <p:cTn id="7" dur="500"/>
+                                        <p:tgtEl>
+                                          <p:spTgt spid="9"/>
+                                        </p:tgtEl>
+                                      </p:cBhvr>
+                                    </p:animEffect>
+                                  </p:childTnLst>
+                                </p:cTn>
+                              </p:par>
+                              <p:par>
+                                <p:cTn id="8" presetID="10" presetClass="entr" presetSubtype="0" fill="hold" grpId="0" nodeType="withEffect">
+                                  <p:stCondLst>
+                                    <p:cond delay="0"/>
+                                  </p:stCondLst>
+                                  <p:childTnLst>
+                                    <p:set>
+                                      <p:cBhvr>
+                                        <p:cTn id="9" dur="1" fill="hold">
+                                          <p:stCondLst>
+                                            <p:cond delay="0"/>
+                                          </p:stCondLst>
+                                        </p:cTn>
+                                        <p:tgtEl>
+                                          <p:spTgt spid="8"/>
+                                        </p:tgtEl>
+                                        <p:attrNameLst>
+                                          <p:attrName>style.visibility</p:attrName>
+                                        </p:attrNameLst>
+                                      </p:cBhvr>
+                                      <p:to>
+                                        <p:strVal val="visible"/>
+                                      </p:to>
+                                    </p:set>
+                                    <p:animEffect transition="in" filter="fade">
+                                      <p:cBhvr>
+                                        <p:cTn id="10" dur="500"/>
+                                        <p:tgtEl>
+                                          <p:spTgt spid="8"/>
+                                        </p:tgtEl>
+                                      </p:cBhvr>
+                                    </p:animEffect>
+                                  </p:childTnLst>
+                                </p:cTn>
+                              </p:par>
+                              <p:par>
+                                <p:cTn id="11" presetID="10" presetClass="entr" presetSubtype="0" fill="hold" nodeType="withEffect">
+                                  <p:stCondLst>
+                                    <p:cond delay="0"/>
+                                  </p:stCondLst>
+                                  <p:childTnLst>
+                                    <p:set>
+                                      <p:cBhvr>
+                                        <p:cTn id="12" dur="1" fill="hold">
+                                          <p:stCondLst>
+                                            <p:cond delay="0"/>
+                                          </p:stCondLst>
+                                        </p:cTn>
+                                        <p:tgtEl>
+                                          <p:spTgt spid="11"/>
+                                        </p:tgtEl>
+                                        <p:attrNameLst>
+                                          <p:attrName>style.visibility</p:attrName>
+                                        </p:attrNameLst>
+                                      </p:cBhvr>
+                                      <p:to>
+                                        <p:strVal val="visible"/>
+                                      </p:to>
+                                    </p:set>
+                                    <p:animEffect transition="in" filter="fade">
+                                      <p:cBhvr>
+                                        <p:cTn id="13" dur="500"/>
+                                        <p:tgtEl>
+                                          <p:spTgt spid="11"/>
+                                        </p:tgtEl>
+                                      </p:cBhvr>
+                                    </p:animEffect>
+                                  </p:childTnLst>
+                                </p:cTn>
+                              </p:par>
+                              <p:par>
+                                <p:cTn id="14" presetID="10" presetClass="entr" presetSubtype="0" fill="hold" nodeType="withEffect">
+                                  <p:stCondLst>
+                                    <p:cond delay="0"/>
+                                  </p:stCondLst>
+                                  <p:childTnLst>
+                                    <p:set>
+                                      <p:cBhvr>
+                                        <p:cTn id="15" dur="1" fill="hold">
+                                          <p:stCondLst>
+                                            <p:cond delay="0"/>
+                                          </p:stCondLst>
+                                        </p:cTn>
+                                        <p:tgtEl>
+                                          <p:spTgt spid="13"/>
+                                        </p:tgtEl>
+                                        <p:attrNameLst>
+                                          <p:attrName>style.visibility</p:attrName>
+                                        </p:attrNameLst>
+                                      </p:cBhvr>
+                                      <p:to>
+                                        <p:strVal val="visible"/>
+                                      </p:to>
+                                    </p:set>
+                                    <p:animEffect transition="in" filter="fade">
+                                      <p:cBhvr>
+                                        <p:cTn id="16" dur="500"/>
+                                        <p:tgtEl>
+                                          <p:spTgt spid="13"/>
+                                        </p:tgtEl>
+                                      </p:cBhvr>
+                                    </p:animEffect>
+                                  </p:childTnLst>
+                                </p:cTn>
+                              </p:par>
+                              <p:par>
+                                <p:cTn id="17" presetID="10" presetClass="entr" presetSubtype="0" fill="hold" grpId="0" nodeType="withEffect">
+                                  <p:stCondLst>
+                                    <p:cond delay="0"/>
+                                  </p:stCondLst>
+                                  <p:childTnLst>
+                                    <p:set>
+                                      <p:cBhvr>
+                                        <p:cTn id="18" dur="1" fill="hold">
+                                          <p:stCondLst>
+                                            <p:cond delay="0"/>
+                                          </p:stCondLst>
+                                        </p:cTn>
+                                        <p:tgtEl>
+                                          <p:spTgt spid="16"/>
+                                        </p:tgtEl>
+                                        <p:attrNameLst>
+                                          <p:attrName>style.visibility</p:attrName>
+                                        </p:attrNameLst>
+                                      </p:cBhvr>
+                                      <p:to>
+                                        <p:strVal val="visible"/>
+                                      </p:to>
+                                    </p:set>
+                                    <p:animEffect transition="in" filter="fade">
+                                      <p:cBhvr>
+                                        <p:cTn id="19" dur="500"/>
+                                        <p:tgtEl>
+                                          <p:spTgt spid="16"/>
+                                        </p:tgtEl>
+                                      </p:cBhvr>
+                                    </p:animEffect>
+                                  </p:childTnLst>
+                                </p:cTn>
+                              </p:par>
+                            </p:childTnLst>
+                          </p:cTn>
+                        </p:par>
+                      </p:childTnLst>
+                    </p:cTn>
+                  </p:par>
+                  <p:par>
+                    <p:cTn id="20" fill="hold">
+                      <p:stCondLst>
+                        <p:cond delay="indefinite"/>
+                      </p:stCondLst>
+                      <p:childTnLst>
+                        <p:par>
+                          <p:cTn id="21" fill="hold">
+                            <p:stCondLst>
+                              <p:cond delay="0"/>
+                            </p:stCondLst>
+                            <p:childTnLst>
+                              <p:par>
+                                <p:cTn id="22" presetID="10" presetClass="entr" presetSubtype="0" fill="hold" grpId="0" nodeType="clickEffect">
+                                  <p:stCondLst>
+                                    <p:cond delay="0"/>
+                                  </p:stCondLst>
+                                  <p:childTnLst>
+                                    <p:set>
+                                      <p:cBhvr>
+                                        <p:cTn id="23" dur="1" fill="hold">
+                                          <p:stCondLst>
+                                            <p:cond delay="0"/>
+                                          </p:stCondLst>
+                                        </p:cTn>
+                                        <p:tgtEl>
+                                          <p:spTgt spid="23"/>
+                                        </p:tgtEl>
+                                        <p:attrNameLst>
+                                          <p:attrName>style.visibility</p:attrName>
+                                        </p:attrNameLst>
+                                      </p:cBhvr>
+                                      <p:to>
+                                        <p:strVal val="visible"/>
+                                      </p:to>
+                                    </p:set>
+                                    <p:animEffect transition="in" filter="fade">
+                                      <p:cBhvr>
+                                        <p:cTn id="24" dur="500"/>
+                                        <p:tgtEl>
+                                          <p:spTgt spid="23"/>
+                                        </p:tgtEl>
+                                      </p:cBhvr>
+                                    </p:animEffect>
+                                  </p:childTnLst>
+                                </p:cTn>
+                              </p:par>
+                              <p:par>
+                                <p:cTn id="25" presetID="10" presetClass="entr" presetSubtype="0" fill="hold" grpId="0" nodeType="withEffect">
+                                  <p:stCondLst>
+                                    <p:cond delay="0"/>
+                                  </p:stCondLst>
+                                  <p:childTnLst>
+                                    <p:set>
+                                      <p:cBhvr>
+                                        <p:cTn id="26" dur="1" fill="hold">
+                                          <p:stCondLst>
+                                            <p:cond delay="0"/>
+                                          </p:stCondLst>
+                                        </p:cTn>
+                                        <p:tgtEl>
+                                          <p:spTgt spid="26"/>
+                                        </p:tgtEl>
+                                        <p:attrNameLst>
+                                          <p:attrName>style.visibility</p:attrName>
+                                        </p:attrNameLst>
+                                      </p:cBhvr>
+                                      <p:to>
+                                        <p:strVal val="visible"/>
+                                      </p:to>
+                                    </p:set>
+                                    <p:animEffect transition="in" filter="fade">
+                                      <p:cBhvr>
+                                        <p:cTn id="27" dur="500"/>
+                                        <p:tgtEl>
+                                          <p:spTgt spid="26"/>
+                                        </p:tgtEl>
+                                      </p:cBhvr>
+                                    </p:animEffect>
+                                  </p:childTnLst>
+                                </p:cTn>
+                              </p:par>
+                              <p:par>
+                                <p:cTn id="28" presetID="10" presetClass="entr" presetSubtype="0" fill="hold" nodeType="withEffect">
+                                  <p:stCondLst>
+                                    <p:cond delay="0"/>
+                                  </p:stCondLst>
+                                  <p:childTnLst>
+                                    <p:set>
+                                      <p:cBhvr>
+                                        <p:cTn id="29" dur="1" fill="hold">
+                                          <p:stCondLst>
+                                            <p:cond delay="0"/>
+                                          </p:stCondLst>
+                                        </p:cTn>
+                                        <p:tgtEl>
+                                          <p:spTgt spid="24"/>
+                                        </p:tgtEl>
+                                        <p:attrNameLst>
+                                          <p:attrName>style.visibility</p:attrName>
+                                        </p:attrNameLst>
+                                      </p:cBhvr>
+                                      <p:to>
+                                        <p:strVal val="visible"/>
+                                      </p:to>
+                                    </p:set>
+                                    <p:animEffect transition="in" filter="fade">
+                                      <p:cBhvr>
+                                        <p:cTn id="30" dur="500"/>
+                                        <p:tgtEl>
+                                          <p:spTgt spid="24"/>
+                                        </p:tgtEl>
+                                      </p:cBhvr>
+                                    </p:animEffect>
+                                  </p:childTnLst>
+                                </p:cTn>
+                              </p:par>
+                              <p:par>
+                                <p:cTn id="31" presetID="10" presetClass="entr" presetSubtype="0" fill="hold" grpId="0" nodeType="withEffect">
+                                  <p:stCondLst>
+                                    <p:cond delay="0"/>
+                                  </p:stCondLst>
+                                  <p:childTnLst>
+                                    <p:set>
+                                      <p:cBhvr>
+                                        <p:cTn id="32" dur="1" fill="hold">
+                                          <p:stCondLst>
+                                            <p:cond delay="0"/>
+                                          </p:stCondLst>
+                                        </p:cTn>
+                                        <p:tgtEl>
+                                          <p:spTgt spid="18"/>
+                                        </p:tgtEl>
+                                        <p:attrNameLst>
+                                          <p:attrName>style.visibility</p:attrName>
+                                        </p:attrNameLst>
+                                      </p:cBhvr>
+                                      <p:to>
+                                        <p:strVal val="visible"/>
+                                      </p:to>
+                                    </p:set>
+                                    <p:animEffect transition="in" filter="fade">
+                                      <p:cBhvr>
+                                        <p:cTn id="33" dur="500"/>
+                                        <p:tgtEl>
+                                          <p:spTgt spid="18"/>
+                                        </p:tgtEl>
+                                      </p:cBhvr>
+                                    </p:animEffect>
+                                  </p:childTnLst>
+                                </p:cTn>
+                              </p:par>
+                              <p:par>
+                                <p:cTn id="34" presetID="10" presetClass="entr" presetSubtype="0" fill="hold" nodeType="withEffect">
+                                  <p:stCondLst>
+                                    <p:cond delay="0"/>
+                                  </p:stCondLst>
+                                  <p:childTnLst>
+                                    <p:set>
+                                      <p:cBhvr>
+                                        <p:cTn id="35" dur="1" fill="hold">
+                                          <p:stCondLst>
+                                            <p:cond delay="0"/>
+                                          </p:stCondLst>
+                                        </p:cTn>
+                                        <p:tgtEl>
+                                          <p:spTgt spid="19"/>
+                                        </p:tgtEl>
+                                        <p:attrNameLst>
+                                          <p:attrName>style.visibility</p:attrName>
+                                        </p:attrNameLst>
+                                      </p:cBhvr>
+                                      <p:to>
+                                        <p:strVal val="visible"/>
+                                      </p:to>
+                                    </p:set>
+                                    <p:animEffect transition="in" filter="fade">
+                                      <p:cBhvr>
+                                        <p:cTn id="36" dur="500"/>
+                                        <p:tgtEl>
+                                          <p:spTgt spid="19"/>
+                                        </p:tgtEl>
+                                      </p:cBhvr>
+                                    </p:animEffect>
+                                  </p:childTnLst>
+                                </p:cTn>
+                              </p:par>
+                            </p:childTnLst>
+                          </p:cTn>
+                        </p:par>
+                      </p:childTnLst>
+                    </p:cTn>
+                  </p:par>
+                  <p:par>
+                    <p:cTn id="37" fill="hold">
+                      <p:stCondLst>
+                        <p:cond delay="indefinite"/>
+                      </p:stCondLst>
+                      <p:childTnLst>
+                        <p:par>
+                          <p:cTn id="38" fill="hold">
+                            <p:stCondLst>
+                              <p:cond delay="0"/>
+                            </p:stCondLst>
+                            <p:childTnLst>
+                              <p:par>
+                                <p:cTn id="39" presetID="10" presetClass="entr" presetSubtype="0" fill="hold" grpId="0" nodeType="clickEffect">
+                                  <p:stCondLst>
+                                    <p:cond delay="0"/>
+                                  </p:stCondLst>
+                                  <p:childTnLst>
+                                    <p:set>
+                                      <p:cBhvr>
+                                        <p:cTn id="40" dur="1" fill="hold">
+                                          <p:stCondLst>
+                                            <p:cond delay="0"/>
+                                          </p:stCondLst>
+                                        </p:cTn>
+                                        <p:tgtEl>
+                                          <p:spTgt spid="34"/>
+                                        </p:tgtEl>
+                                        <p:attrNameLst>
+                                          <p:attrName>style.visibility</p:attrName>
+                                        </p:attrNameLst>
+                                      </p:cBhvr>
+                                      <p:to>
+                                        <p:strVal val="visible"/>
+                                      </p:to>
+                                    </p:set>
+                                    <p:animEffect transition="in" filter="fade">
+                                      <p:cBhvr>
+                                        <p:cTn id="41" dur="500"/>
+                                        <p:tgtEl>
+                                          <p:spTgt spid="34"/>
+                                        </p:tgtEl>
+                                      </p:cBhvr>
+                                    </p:animEffect>
+                                  </p:childTnLst>
+                                </p:cTn>
+                              </p:par>
+                              <p:par>
+                                <p:cTn id="42" presetID="10" presetClass="entr" presetSubtype="0" fill="hold" nodeType="withEffect">
+                                  <p:stCondLst>
+                                    <p:cond delay="0"/>
+                                  </p:stCondLst>
+                                  <p:childTnLst>
+                                    <p:set>
+                                      <p:cBhvr>
+                                        <p:cTn id="43" dur="1" fill="hold">
+                                          <p:stCondLst>
+                                            <p:cond delay="0"/>
+                                          </p:stCondLst>
+                                        </p:cTn>
+                                        <p:tgtEl>
+                                          <p:spTgt spid="32"/>
+                                        </p:tgtEl>
+                                        <p:attrNameLst>
+                                          <p:attrName>style.visibility</p:attrName>
+                                        </p:attrNameLst>
+                                      </p:cBhvr>
+                                      <p:to>
+                                        <p:strVal val="visible"/>
+                                      </p:to>
+                                    </p:set>
+                                    <p:animEffect transition="in" filter="fade">
+                                      <p:cBhvr>
+                                        <p:cTn id="44" dur="500"/>
+                                        <p:tgtEl>
+                                          <p:spTgt spid="32"/>
+                                        </p:tgtEl>
+                                      </p:cBhvr>
+                                    </p:animEffect>
+                                  </p:childTnLst>
+                                </p:cTn>
+                              </p:par>
+                              <p:par>
+                                <p:cTn id="45" presetID="10" presetClass="entr" presetSubtype="0" fill="hold" nodeType="withEffect">
+                                  <p:stCondLst>
+                                    <p:cond delay="0"/>
+                                  </p:stCondLst>
+                                  <p:childTnLst>
+                                    <p:set>
+                                      <p:cBhvr>
+                                        <p:cTn id="46" dur="1" fill="hold">
+                                          <p:stCondLst>
+                                            <p:cond delay="0"/>
+                                          </p:stCondLst>
+                                        </p:cTn>
+                                        <p:tgtEl>
+                                          <p:spTgt spid="28"/>
+                                        </p:tgtEl>
+                                        <p:attrNameLst>
+                                          <p:attrName>style.visibility</p:attrName>
+                                        </p:attrNameLst>
+                                      </p:cBhvr>
+                                      <p:to>
+                                        <p:strVal val="visible"/>
+                                      </p:to>
+                                    </p:set>
+                                    <p:animEffect transition="in" filter="fade">
+                                      <p:cBhvr>
+                                        <p:cTn id="47" dur="500"/>
+                                        <p:tgtEl>
+                                          <p:spTgt spid="28"/>
+                                        </p:tgtEl>
+                                      </p:cBhvr>
+                                    </p:animEffect>
+                                  </p:childTnLst>
+                                </p:cTn>
+                              </p:par>
+                              <p:par>
+                                <p:cTn id="48" presetID="10" presetClass="entr" presetSubtype="0" fill="hold" grpId="0" nodeType="withEffect">
+                                  <p:stCondLst>
+                                    <p:cond delay="0"/>
+                                  </p:stCondLst>
+                                  <p:childTnLst>
+                                    <p:set>
+                                      <p:cBhvr>
+                                        <p:cTn id="49" dur="1" fill="hold">
+                                          <p:stCondLst>
+                                            <p:cond delay="0"/>
+                                          </p:stCondLst>
+                                        </p:cTn>
+                                        <p:tgtEl>
+                                          <p:spTgt spid="27"/>
+                                        </p:tgtEl>
+                                        <p:attrNameLst>
+                                          <p:attrName>style.visibility</p:attrName>
+                                        </p:attrNameLst>
+                                      </p:cBhvr>
+                                      <p:to>
+                                        <p:strVal val="visible"/>
+                                      </p:to>
+                                    </p:set>
+                                    <p:animEffect transition="in" filter="fade">
+                                      <p:cBhvr>
+                                        <p:cTn id="50" dur="500"/>
+                                        <p:tgtEl>
+                                          <p:spTgt spid="27"/>
+                                        </p:tgtEl>
+                                      </p:cBhvr>
+                                    </p:animEffect>
+                                  </p:childTnLst>
+                                </p:cTn>
+                              </p:par>
+                              <p:par>
+                                <p:cTn id="51" presetID="10" presetClass="entr" presetSubtype="0" fill="hold" grpId="0" nodeType="withEffect">
+                                  <p:stCondLst>
+                                    <p:cond delay="0"/>
+                                  </p:stCondLst>
+                                  <p:childTnLst>
+                                    <p:set>
+                                      <p:cBhvr>
+                                        <p:cTn id="52" dur="1" fill="hold">
+                                          <p:stCondLst>
+                                            <p:cond delay="0"/>
+                                          </p:stCondLst>
+                                        </p:cTn>
+                                        <p:tgtEl>
+                                          <p:spTgt spid="31"/>
+                                        </p:tgtEl>
+                                        <p:attrNameLst>
+                                          <p:attrName>style.visibility</p:attrName>
+                                        </p:attrNameLst>
+                                      </p:cBhvr>
+                                      <p:to>
+                                        <p:strVal val="visible"/>
+                                      </p:to>
+                                    </p:set>
+                                    <p:animEffect transition="in" filter="fade">
+                                      <p:cBhvr>
+                                        <p:cTn id="53" dur="500"/>
+                                        <p:tgtEl>
+                                          <p:spTgt spid="31"/>
+                                        </p:tgtEl>
+                                      </p:cBhvr>
+                                    </p:animEffect>
+                                  </p:childTnLst>
+                                </p:cTn>
+                              </p:par>
+                            </p:childTnLst>
+                          </p:cTn>
+                        </p:par>
+                      </p:childTnLst>
+                    </p:cTn>
+                  </p:par>
+                  <p:par>
+                    <p:cTn id="54" fill="hold">
+                      <p:stCondLst>
+                        <p:cond delay="indefinite"/>
+                      </p:stCondLst>
+                      <p:childTnLst>
+                        <p:par>
+                          <p:cTn id="55" fill="hold">
+                            <p:stCondLst>
+                              <p:cond delay="0"/>
+                            </p:stCondLst>
+                            <p:childTnLst>
+                              <p:par>
+                                <p:cTn id="56" presetID="10" presetClass="entr" presetSubtype="0" fill="hold" grpId="0" nodeType="clickEffect">
+                                  <p:stCondLst>
+                                    <p:cond delay="0"/>
+                                  </p:stCondLst>
+                                  <p:childTnLst>
+                                    <p:set>
+                                      <p:cBhvr>
+                                        <p:cTn id="57" dur="1" fill="hold">
+                                          <p:stCondLst>
+                                            <p:cond delay="0"/>
+                                          </p:stCondLst>
+                                        </p:cTn>
+                                        <p:tgtEl>
+                                          <p:spTgt spid="50"/>
+                                        </p:tgtEl>
+                                        <p:attrNameLst>
+                                          <p:attrName>style.visibility</p:attrName>
+                                        </p:attrNameLst>
+                                      </p:cBhvr>
+                                      <p:to>
+                                        <p:strVal val="visible"/>
+                                      </p:to>
+                                    </p:set>
+                                    <p:animEffect transition="in" filter="fade">
+                                      <p:cBhvr>
+                                        <p:cTn id="58" dur="500"/>
+                                        <p:tgtEl>
+                                          <p:spTgt spid="50"/>
+                                        </p:tgtEl>
+                                      </p:cBhvr>
+                                    </p:animEffect>
+                                  </p:childTnLst>
+                                </p:cTn>
+                              </p:par>
+                              <p:par>
+                                <p:cTn id="59" presetID="10" presetClass="entr" presetSubtype="0" fill="hold" nodeType="withEffect">
+                                  <p:stCondLst>
+                                    <p:cond delay="0"/>
+                                  </p:stCondLst>
+                                  <p:childTnLst>
+                                    <p:set>
+                                      <p:cBhvr>
+                                        <p:cTn id="60" dur="1" fill="hold">
+                                          <p:stCondLst>
+                                            <p:cond delay="0"/>
+                                          </p:stCondLst>
+                                        </p:cTn>
+                                        <p:tgtEl>
+                                          <p:spTgt spid="40"/>
+                                        </p:tgtEl>
+                                        <p:attrNameLst>
+                                          <p:attrName>style.visibility</p:attrName>
+                                        </p:attrNameLst>
+                                      </p:cBhvr>
+                                      <p:to>
+                                        <p:strVal val="visible"/>
+                                      </p:to>
+                                    </p:set>
+                                    <p:animEffect transition="in" filter="fade">
+                                      <p:cBhvr>
+                                        <p:cTn id="61" dur="500"/>
+                                        <p:tgtEl>
+                                          <p:spTgt spid="40"/>
+                                        </p:tgtEl>
+                                      </p:cBhvr>
+                                    </p:animEffect>
+                                  </p:childTnLst>
+                                </p:cTn>
+                              </p:par>
+                              <p:par>
+                                <p:cTn id="62" presetID="10" presetClass="entr" presetSubtype="0" fill="hold" nodeType="withEffect">
+                                  <p:stCondLst>
+                                    <p:cond delay="0"/>
+                                  </p:stCondLst>
+                                  <p:childTnLst>
+                                    <p:set>
+                                      <p:cBhvr>
+                                        <p:cTn id="63" dur="1" fill="hold">
+                                          <p:stCondLst>
+                                            <p:cond delay="0"/>
+                                          </p:stCondLst>
+                                        </p:cTn>
+                                        <p:tgtEl>
+                                          <p:spTgt spid="37"/>
+                                        </p:tgtEl>
+                                        <p:attrNameLst>
+                                          <p:attrName>style.visibility</p:attrName>
+                                        </p:attrNameLst>
+                                      </p:cBhvr>
+                                      <p:to>
+                                        <p:strVal val="visible"/>
+                                      </p:to>
+                                    </p:set>
+                                    <p:animEffect transition="in" filter="fade">
+                                      <p:cBhvr>
+                                        <p:cTn id="64" dur="500"/>
+                                        <p:tgtEl>
+                                          <p:spTgt spid="37"/>
+                                        </p:tgtEl>
+                                      </p:cBhvr>
+                                    </p:animEffect>
+                                  </p:childTnLst>
+                                </p:cTn>
+                              </p:par>
+                              <p:par>
+                                <p:cTn id="65" presetID="10" presetClass="entr" presetSubtype="0" fill="hold" grpId="0" nodeType="withEffect">
+                                  <p:stCondLst>
+                                    <p:cond delay="0"/>
+                                  </p:stCondLst>
+                                  <p:childTnLst>
+                                    <p:set>
+                                      <p:cBhvr>
+                                        <p:cTn id="66" dur="1" fill="hold">
+                                          <p:stCondLst>
+                                            <p:cond delay="0"/>
+                                          </p:stCondLst>
+                                        </p:cTn>
+                                        <p:tgtEl>
+                                          <p:spTgt spid="35"/>
+                                        </p:tgtEl>
+                                        <p:attrNameLst>
+                                          <p:attrName>style.visibility</p:attrName>
+                                        </p:attrNameLst>
+                                      </p:cBhvr>
+                                      <p:to>
+                                        <p:strVal val="visible"/>
+                                      </p:to>
+                                    </p:set>
+                                    <p:animEffect transition="in" filter="fade">
+                                      <p:cBhvr>
+                                        <p:cTn id="67" dur="500"/>
+                                        <p:tgtEl>
+                                          <p:spTgt spid="35"/>
+                                        </p:tgtEl>
+                                      </p:cBhvr>
+                                    </p:animEffect>
+                                  </p:childTnLst>
+                                </p:cTn>
+                              </p:par>
+                              <p:par>
+                                <p:cTn id="68" presetID="10" presetClass="entr" presetSubtype="0" fill="hold" grpId="0" nodeType="withEffect">
+                                  <p:stCondLst>
+                                    <p:cond delay="0"/>
+                                  </p:stCondLst>
+                                  <p:childTnLst>
+                                    <p:set>
+                                      <p:cBhvr>
+                                        <p:cTn id="69" dur="1" fill="hold">
+                                          <p:stCondLst>
+                                            <p:cond delay="0"/>
+                                          </p:stCondLst>
+                                        </p:cTn>
+                                        <p:tgtEl>
+                                          <p:spTgt spid="36"/>
+                                        </p:tgtEl>
+                                        <p:attrNameLst>
+                                          <p:attrName>style.visibility</p:attrName>
+                                        </p:attrNameLst>
+                                      </p:cBhvr>
+                                      <p:to>
+                                        <p:strVal val="visible"/>
+                                      </p:to>
+                                    </p:set>
+                                    <p:animEffect transition="in" filter="fade">
+                                      <p:cBhvr>
+                                        <p:cTn id="70" dur="500"/>
+                                        <p:tgtEl>
+                                          <p:spTgt spid="36"/>
+                                        </p:tgtEl>
+                                      </p:cBhvr>
+                                    </p:animEffect>
+                                  </p:childTnLst>
+                                </p:cTn>
+                              </p:par>
+                            </p:childTnLst>
+                          </p:cTn>
+                        </p:par>
+                      </p:childTnLst>
+                    </p:cTn>
+                  </p:par>
+                </p:childTnLst>
+              </p:cTn>
+              <p:prevCondLst>
+                <p:cond evt="onPrev" delay="0">
+                  <p:tgtEl>
+                    <p:sldTgt/>
+                  </p:tgtEl>
+                </p:cond>
+              </p:prevCondLst>
+              <p:nextCondLst>
+                <p:cond evt="onNext" delay="0">
+                  <p:tgtEl>
+                    <p:sldTgt/>
+                  </p:tgtEl>
+                </p:cond>
+              </p:nextCondLst>
+            </p:seq>
+          </p:childTnLst>
+        </p:cTn>
+      </p:par>
+    </p:tnLst>
+    <p:bldLst>
+      <p:bldP spid="8" grpId="0" animBg="1"/>
+      <p:bldP spid="9" grpId="0"/>
+      <p:bldP spid="16" grpId="0"/>
+      <p:bldP spid="18" grpId="0" animBg="1"/>
+      <p:bldP spid="23" grpId="0"/>
+      <p:bldP spid="26" grpId="0"/>
+      <p:bldP spid="27" grpId="0" animBg="1"/>
+      <p:bldP spid="31" grpId="0"/>
+      <p:bldP spid="34" grpId="0"/>
+      <p:bldP spid="35" grpId="0" animBg="1"/>
+      <p:bldP spid="36" grpId="0"/>
+      <p:bldP spid="50" grpId="0"/>
+    </p:bldLst>
+  </p:timing>
+</p:sld>
+</file>
+
+<file path=ppt/slides/slide19.xml><?xml version="1.0" encoding="utf-8"?>
+<p:sld xmlns:a="http://schemas.openxmlformats.org/drawingml/2006/main" xmlns:r="http://schemas.openxmlformats.org/officeDocument/2006/relationships" xmlns:p="http://schemas.openxmlformats.org/presentationml/2006/main">
+  <p:cSld>
+    <p:spTree>
+      <p:nvGrpSpPr>
+        <p:cNvPr id="1" name=""/>
+        <p:cNvGrpSpPr/>
+        <p:nvPr/>
+      </p:nvGrpSpPr>
+      <p:grpSpPr>
+        <a:xfrm>
+          <a:off x="0" y="0"/>
+          <a:ext cx="0" cy="0"/>
+          <a:chOff x="0" y="0"/>
+          <a:chExt cx="0" cy="0"/>
+        </a:xfrm>
+      </p:grpSpPr>
+      <p:sp>
+        <p:nvSpPr>
+          <p:cNvPr id="2" name="Title 1">
+            <a:extLst>
+              <a:ext uri="{FF2B5EF4-FFF2-40B4-BE49-F238E27FC236}">
+                <a16:creationId xmlns:a16="http://schemas.microsoft.com/office/drawing/2014/main" id="{60FD4511-2325-4AC2-A02E-1DF293FA7FC3}"/>
+              </a:ext>
+            </a:extLst>
+          </p:cNvPr>
+          <p:cNvSpPr>
+            <a:spLocks noGrp="1"/>
+          </p:cNvSpPr>
+          <p:nvPr>
+            <p:ph type="title"/>
+          </p:nvPr>
+        </p:nvSpPr>
+        <p:spPr/>
+        <p:txBody>
+          <a:bodyPr/>
+          <a:lstStyle/>
+          <a:p>
+            <a:r>
+              <a:rPr lang="sv-SE" dirty="0"/>
+              <a:t>Krypteringsalgoritm med semifaktoriseringsfuntion - Example</a:t>
+            </a:r>
+          </a:p>
+        </p:txBody>
+      </p:sp>
+      <p:pic>
+        <p:nvPicPr>
+          <p:cNvPr id="4" name="Picture 3" descr="Icon&#10;&#10;Description automatically generated">
+            <a:extLst>
+              <a:ext uri="{FF2B5EF4-FFF2-40B4-BE49-F238E27FC236}">
+                <a16:creationId xmlns:a16="http://schemas.microsoft.com/office/drawing/2014/main" id="{F58E08D5-A38E-4191-B5CD-8D89C8B794B7}"/>
+              </a:ext>
+            </a:extLst>
+          </p:cNvPr>
+          <p:cNvPicPr>
+            <a:picLocks noChangeAspect="1"/>
+          </p:cNvPicPr>
+          <p:nvPr/>
+        </p:nvPicPr>
+        <p:blipFill>
+          <a:blip r:embed="rId2">
+            <a:extLst>
+              <a:ext uri="{28A0092B-C50C-407E-A947-70E740481C1C}">
+                <a14:useLocalDpi xmlns:a14="http://schemas.microsoft.com/office/drawing/2010/main" val="0"/>
+              </a:ext>
+              <a:ext uri="{837473B0-CC2E-450A-ABE3-18F120FF3D39}">
+                <a1611:picAttrSrcUrl xmlns:a1611="http://schemas.microsoft.com/office/drawing/2016/11/main" r:id="rId3"/>
+              </a:ext>
+            </a:extLst>
+          </a:blip>
+          <a:stretch>
+            <a:fillRect/>
+          </a:stretch>
+        </p:blipFill>
+        <p:spPr>
+          <a:xfrm>
+            <a:off x="10758903" y="230188"/>
+            <a:ext cx="1189794" cy="1189794"/>
+          </a:xfrm>
+          <a:prstGeom prst="rect">
+            <a:avLst/>
+          </a:prstGeom>
+        </p:spPr>
+      </p:pic>
+      <p:sp>
+        <p:nvSpPr>
+          <p:cNvPr id="7" name="TextBox 6">
+            <a:extLst>
+              <a:ext uri="{FF2B5EF4-FFF2-40B4-BE49-F238E27FC236}">
+                <a16:creationId xmlns:a16="http://schemas.microsoft.com/office/drawing/2014/main" id="{7E4D84F6-39C6-4D52-A66E-1E3EA15A3CE5}"/>
+              </a:ext>
+            </a:extLst>
+          </p:cNvPr>
+          <p:cNvSpPr txBox="1"/>
+          <p:nvPr/>
+        </p:nvSpPr>
+        <p:spPr>
+          <a:xfrm>
+            <a:off x="2886075" y="1859340"/>
+            <a:ext cx="5814220" cy="1569660"/>
+          </a:xfrm>
+          <a:prstGeom prst="rect">
+            <a:avLst/>
+          </a:prstGeom>
+          <a:noFill/>
+        </p:spPr>
+        <p:txBody>
+          <a:bodyPr wrap="none" rtlCol="0">
+            <a:spAutoFit/>
+          </a:bodyPr>
+          <a:lstStyle/>
+          <a:p>
+            <a:r>
+              <a:rPr lang="sv-SE" sz="9600" dirty="0"/>
+              <a:t>hello world</a:t>
+            </a:r>
+          </a:p>
+        </p:txBody>
+      </p:sp>
+      <p:sp>
+        <p:nvSpPr>
+          <p:cNvPr id="8" name="TextBox 7">
+            <a:extLst>
+              <a:ext uri="{FF2B5EF4-FFF2-40B4-BE49-F238E27FC236}">
+                <a16:creationId xmlns:a16="http://schemas.microsoft.com/office/drawing/2014/main" id="{1C70DCF1-4F5B-4DA4-8564-78AF204CCF9C}"/>
+              </a:ext>
+            </a:extLst>
+          </p:cNvPr>
+          <p:cNvSpPr txBox="1"/>
+          <p:nvPr/>
+        </p:nvSpPr>
+        <p:spPr>
+          <a:xfrm>
+            <a:off x="2700968" y="4525538"/>
+            <a:ext cx="6790064" cy="1569660"/>
+          </a:xfrm>
+          <a:prstGeom prst="rect">
+            <a:avLst/>
+          </a:prstGeom>
+          <a:noFill/>
+        </p:spPr>
+        <p:txBody>
+          <a:bodyPr wrap="none" rtlCol="0">
+            <a:spAutoFit/>
+          </a:bodyPr>
+          <a:lstStyle/>
+          <a:p>
+            <a:r>
+              <a:rPr lang="sv-SE" sz="9600" dirty="0"/>
+              <a:t>vowwr frmwl</a:t>
+            </a:r>
+          </a:p>
+        </p:txBody>
+      </p:sp>
+      <p:sp>
+        <p:nvSpPr>
+          <p:cNvPr id="9" name="Arrow: Down 8">
+            <a:extLst>
+              <a:ext uri="{FF2B5EF4-FFF2-40B4-BE49-F238E27FC236}">
+                <a16:creationId xmlns:a16="http://schemas.microsoft.com/office/drawing/2014/main" id="{1D480A5F-84D4-4957-B51D-AC6D6AAC1798}"/>
+              </a:ext>
+            </a:extLst>
+          </p:cNvPr>
+          <p:cNvSpPr/>
+          <p:nvPr/>
+        </p:nvSpPr>
+        <p:spPr>
+          <a:xfrm>
+            <a:off x="5351646" y="3349592"/>
+            <a:ext cx="1097280" cy="1569660"/>
+          </a:xfrm>
+          <a:prstGeom prst="downArrow">
+            <a:avLst/>
+          </a:prstGeom>
+          <a:noFill/>
+          <a:ln w="63500">
+            <a:solidFill>
+              <a:schemeClr val="tx1"/>
+            </a:solidFill>
+          </a:ln>
+        </p:spPr>
+        <p:style>
+          <a:lnRef idx="2">
+            <a:schemeClr val="accent1">
+              <a:shade val="50000"/>
+            </a:schemeClr>
+          </a:lnRef>
+          <a:fillRef idx="1">
+            <a:schemeClr val="accent1"/>
+          </a:fillRef>
+          <a:effectRef idx="0">
+            <a:schemeClr val="accent1"/>
+          </a:effectRef>
+          <a:fontRef idx="minor">
+            <a:schemeClr val="lt1"/>
+          </a:fontRef>
+        </p:style>
+        <p:txBody>
+          <a:bodyPr rtlCol="0" anchor="ctr"/>
+          <a:lstStyle/>
+          <a:p>
+            <a:pPr algn="ctr"/>
+            <a:endParaRPr lang="sv-SE"/>
+          </a:p>
+        </p:txBody>
+      </p:sp>
+    </p:spTree>
+    <p:extLst>
+      <p:ext uri="{BB962C8B-B14F-4D97-AF65-F5344CB8AC3E}">
+        <p14:creationId xmlns:p14="http://schemas.microsoft.com/office/powerpoint/2010/main" val="528797359"/>
+      </p:ext>
+    </p:extLst>
+  </p:cSld>
+  <p:clrMapOvr>
+    <a:masterClrMapping/>
+  </p:clrMapOvr>
+  <p:timing>
+    <p:tnLst>
+      <p:par>
+        <p:cTn id="1" dur="indefinite" restart="never" nodeType="tmRoot">
+          <p:childTnLst>
+            <p:seq concurrent="1" nextAc="seek">
+              <p:cTn id="2" dur="indefinite" nodeType="mainSeq">
+                <p:childTnLst>
+                  <p:par>
+                    <p:cTn id="3" fill="hold">
+                      <p:stCondLst>
+                        <p:cond delay="indefinite"/>
+                      </p:stCondLst>
+                      <p:childTnLst>
+                        <p:par>
+                          <p:cTn id="4" fill="hold">
+                            <p:stCondLst>
+                              <p:cond delay="0"/>
+                            </p:stCondLst>
+                            <p:childTnLst>
+                              <p:par>
+                                <p:cTn id="5" presetID="1" presetClass="entr" presetSubtype="0" fill="hold" grpId="0" nodeType="clickEffect">
+                                  <p:stCondLst>
+                                    <p:cond delay="0"/>
+                                  </p:stCondLst>
+                                  <p:childTnLst>
+                                    <p:set>
+                                      <p:cBhvr>
+                                        <p:cTn id="6" dur="1" fill="hold">
+                                          <p:stCondLst>
+                                            <p:cond delay="0"/>
+                                          </p:stCondLst>
+                                        </p:cTn>
+                                        <p:tgtEl>
+                                          <p:spTgt spid="7"/>
+                                        </p:tgtEl>
+                                        <p:attrNameLst>
+                                          <p:attrName>style.visibility</p:attrName>
+                                        </p:attrNameLst>
+                                      </p:cBhvr>
+                                      <p:to>
+                                        <p:strVal val="visible"/>
+                                      </p:to>
+                                    </p:set>
+                                  </p:childTnLst>
+                                </p:cTn>
+                              </p:par>
+                            </p:childTnLst>
+                          </p:cTn>
+                        </p:par>
+                      </p:childTnLst>
+                    </p:cTn>
+                  </p:par>
+                  <p:par>
+                    <p:cTn id="7" fill="hold">
+                      <p:stCondLst>
+                        <p:cond delay="indefinite"/>
+                      </p:stCondLst>
+                      <p:childTnLst>
+                        <p:par>
+                          <p:cTn id="8" fill="hold">
+                            <p:stCondLst>
+                              <p:cond delay="0"/>
+                            </p:stCondLst>
+                            <p:childTnLst>
+                              <p:par>
+                                <p:cTn id="9" presetID="22" presetClass="entr" presetSubtype="1" fill="hold" grpId="0" nodeType="clickEffect">
+                                  <p:stCondLst>
+                                    <p:cond delay="0"/>
+                                  </p:stCondLst>
+                                  <p:childTnLst>
+                                    <p:set>
+                                      <p:cBhvr>
+                                        <p:cTn id="10" dur="1" fill="hold">
+                                          <p:stCondLst>
+                                            <p:cond delay="0"/>
+                                          </p:stCondLst>
+                                        </p:cTn>
+                                        <p:tgtEl>
+                                          <p:spTgt spid="9"/>
+                                        </p:tgtEl>
+                                        <p:attrNameLst>
+                                          <p:attrName>style.visibility</p:attrName>
+                                        </p:attrNameLst>
+                                      </p:cBhvr>
+                                      <p:to>
+                                        <p:strVal val="visible"/>
+                                      </p:to>
+                                    </p:set>
+                                    <p:animEffect transition="in" filter="wipe(up)">
+                                      <p:cBhvr>
+                                        <p:cTn id="11" dur="500"/>
+                                        <p:tgtEl>
+                                          <p:spTgt spid="9"/>
+                                        </p:tgtEl>
+                                      </p:cBhvr>
+                                    </p:animEffect>
+                                  </p:childTnLst>
+                                </p:cTn>
+                              </p:par>
+                            </p:childTnLst>
+                          </p:cTn>
+                        </p:par>
+                      </p:childTnLst>
+                    </p:cTn>
+                  </p:par>
+                  <p:par>
+                    <p:cTn id="12" fill="hold">
+                      <p:stCondLst>
+                        <p:cond delay="indefinite"/>
+                      </p:stCondLst>
+                      <p:childTnLst>
+                        <p:par>
+                          <p:cTn id="13" fill="hold">
+                            <p:stCondLst>
+                              <p:cond delay="0"/>
+                            </p:stCondLst>
+                            <p:childTnLst>
+                              <p:par>
+                                <p:cTn id="14" presetID="1" presetClass="entr" presetSubtype="0" fill="hold" grpId="0" nodeType="clickEffect">
+                                  <p:stCondLst>
+                                    <p:cond delay="0"/>
+                                  </p:stCondLst>
+                                  <p:childTnLst>
+                                    <p:set>
+                                      <p:cBhvr>
+                                        <p:cTn id="15" dur="1" fill="hold">
+                                          <p:stCondLst>
+                                            <p:cond delay="0"/>
+                                          </p:stCondLst>
+                                        </p:cTn>
+                                        <p:tgtEl>
+                                          <p:spTgt spid="8"/>
+                                        </p:tgtEl>
+                                        <p:attrNameLst>
+                                          <p:attrName>style.visibility</p:attrName>
+                                        </p:attrNameLst>
+                                      </p:cBhvr>
+                                      <p:to>
+                                        <p:strVal val="visible"/>
+                                      </p:to>
+                                    </p:set>
+                                  </p:childTnLst>
+                                </p:cTn>
+                              </p:par>
+                            </p:childTnLst>
+                          </p:cTn>
+                        </p:par>
+                      </p:childTnLst>
+                    </p:cTn>
+                  </p:par>
+                </p:childTnLst>
+              </p:cTn>
+              <p:prevCondLst>
+                <p:cond evt="onPrev" delay="0">
+                  <p:tgtEl>
+                    <p:sldTgt/>
+                  </p:tgtEl>
+                </p:cond>
+              </p:prevCondLst>
+              <p:nextCondLst>
+                <p:cond evt="onNext" delay="0">
+                  <p:tgtEl>
+                    <p:sldTgt/>
+                  </p:tgtEl>
+                </p:cond>
+              </p:nextCondLst>
+            </p:seq>
+          </p:childTnLst>
+        </p:cTn>
+      </p:par>
+    </p:tnLst>
+    <p:bldLst>
+      <p:bldP spid="7" grpId="0"/>
+      <p:bldP spid="8" grpId="0"/>
+      <p:bldP spid="9" grpId="0" animBg="1"/>
+    </p:bldLst>
+  </p:timing>
+</p:sld>
+</file>
+
+<file path=ppt/slides/slide2.xml><?xml version="1.0" encoding="utf-8"?>
+<p:sld xmlns:a="http://schemas.openxmlformats.org/drawingml/2006/main" xmlns:r="http://schemas.openxmlformats.org/officeDocument/2006/relationships" xmlns:p="http://schemas.openxmlformats.org/presentationml/2006/main">
+  <p:cSld>
+    <p:bg>
+      <p:bgPr>
+        <a:solidFill>
+          <a:schemeClr val="bg1">
+            <a:tint val="95000"/>
+            <a:satMod val="170000"/>
+          </a:schemeClr>
+        </a:solidFill>
+        <a:effectLst/>
+      </p:bgPr>
+    </p:bg>
+    <p:spTree>
+      <p:nvGrpSpPr>
+        <p:cNvPr id="1" name=""/>
+        <p:cNvGrpSpPr/>
+        <p:nvPr/>
+      </p:nvGrpSpPr>
+      <p:grpSpPr>
+        <a:xfrm>
+          <a:off x="0" y="0"/>
+          <a:ext cx="0" cy="0"/>
+          <a:chOff x="0" y="0"/>
+          <a:chExt cx="0" cy="0"/>
+        </a:xfrm>
+      </p:grpSpPr>
+      <p:pic>
+        <p:nvPicPr>
+          <p:cNvPr id="5122" name="Picture 2" descr="How can big data turn into improved freight rates and better service levels  - Your Global Logistics Network">
+            <a:extLst>
+              <a:ext uri="{FF2B5EF4-FFF2-40B4-BE49-F238E27FC236}">
+                <a16:creationId xmlns:a16="http://schemas.microsoft.com/office/drawing/2014/main" id="{167E4091-42D6-4B41-9E00-274F132E4703}"/>
+              </a:ext>
+            </a:extLst>
+          </p:cNvPr>
+          <p:cNvPicPr>
+            <a:picLocks noChangeAspect="1" noChangeArrowheads="1"/>
+          </p:cNvPicPr>
+          <p:nvPr/>
+        </p:nvPicPr>
+        <p:blipFill rotWithShape="1">
+          <a:blip r:embed="rId2">
+            <a:extLst>
+              <a:ext uri="{28A0092B-C50C-407E-A947-70E740481C1C}">
+                <a14:useLocalDpi xmlns:a14="http://schemas.microsoft.com/office/drawing/2010/main" val="0"/>
+              </a:ext>
+            </a:extLst>
+          </a:blip>
+          <a:srcRect r="25"/>
+          <a:stretch/>
+        </p:blipFill>
+        <p:spPr bwMode="auto">
+          <a:xfrm>
+            <a:off x="20" y="10"/>
+            <a:ext cx="12188932" cy="6857990"/>
+          </a:xfrm>
+          <a:prstGeom prst="rect">
+            <a:avLst/>
+          </a:prstGeom>
+          <a:noFill/>
+          <a:extLst>
+            <a:ext uri="{909E8E84-426E-40DD-AFC4-6F175D3DCCD1}">
+              <a14:hiddenFill xmlns:a14="http://schemas.microsoft.com/office/drawing/2010/main">
+                <a:solidFill>
+                  <a:srgbClr val="FFFFFF"/>
+                </a:solidFill>
+              </a14:hiddenFill>
+            </a:ext>
+          </a:extLst>
+        </p:spPr>
+      </p:pic>
+      <p:sp>
+        <p:nvSpPr>
+          <p:cNvPr id="71" name="Freeform: Shape 70">
+            <a:extLst>
+              <a:ext uri="{FF2B5EF4-FFF2-40B4-BE49-F238E27FC236}">
+                <a16:creationId xmlns:a16="http://schemas.microsoft.com/office/drawing/2014/main" id="{5E8D2E83-FB3A-40E7-A9E5-7AB389D612B4}"/>
+              </a:ext>
+              <a:ext uri="{C183D7F6-B498-43B3-948B-1728B52AA6E4}">
+                <adec:decorative xmlns:adec="http://schemas.microsoft.com/office/drawing/2017/decorative" val="1"/>
+              </a:ext>
+            </a:extLst>
+          </p:cNvPr>
+          <p:cNvSpPr>
+            <a:spLocks noGrp="1" noRot="1" noChangeAspect="1" noMove="1" noResize="1" noEditPoints="1" noAdjustHandles="1" noChangeArrowheads="1" noChangeShapeType="1" noTextEdit="1"/>
+          </p:cNvSpPr>
+          <p:nvPr>
+            <p:extLst>
+              <p:ext uri="{386F3935-93C4-4BCD-93E2-E3B085C9AB24}">
+                <p16:designElem xmlns:p16="http://schemas.microsoft.com/office/powerpoint/2015/main" val="1"/>
+              </p:ext>
+            </p:extLst>
+          </p:nvPr>
+        </p:nvSpPr>
+        <p:spPr>
+          <a:xfrm>
+            <a:off x="0" y="4023809"/>
+            <a:ext cx="11016943" cy="2262375"/>
+          </a:xfrm>
+          <a:custGeom>
+            <a:avLst/>
+            <a:gdLst>
+              <a:gd name="connsiteX0" fmla="*/ 0 w 11016943"/>
+              <a:gd name="connsiteY0" fmla="*/ 0 h 2262375"/>
+              <a:gd name="connsiteX1" fmla="*/ 9969166 w 11016943"/>
+              <a:gd name="connsiteY1" fmla="*/ 0 h 2262375"/>
+              <a:gd name="connsiteX2" fmla="*/ 11016943 w 11016943"/>
+              <a:gd name="connsiteY2" fmla="*/ 2262375 h 2262375"/>
+              <a:gd name="connsiteX3" fmla="*/ 4942050 w 11016943"/>
+              <a:gd name="connsiteY3" fmla="*/ 2262375 h 2262375"/>
+              <a:gd name="connsiteX4" fmla="*/ 4582160 w 11016943"/>
+              <a:gd name="connsiteY4" fmla="*/ 2262375 h 2262375"/>
+              <a:gd name="connsiteX5" fmla="*/ 0 w 11016943"/>
+              <a:gd name="connsiteY5" fmla="*/ 2262375 h 2262375"/>
+            </a:gdLst>
+            <a:ahLst/>
+            <a:cxnLst>
+              <a:cxn ang="0">
+                <a:pos x="connsiteX0" y="connsiteY0"/>
+              </a:cxn>
+              <a:cxn ang="0">
+                <a:pos x="connsiteX1" y="connsiteY1"/>
+              </a:cxn>
+              <a:cxn ang="0">
+                <a:pos x="connsiteX2" y="connsiteY2"/>
+              </a:cxn>
+              <a:cxn ang="0">
+                <a:pos x="connsiteX3" y="connsiteY3"/>
+              </a:cxn>
+              <a:cxn ang="0">
+                <a:pos x="connsiteX4" y="connsiteY4"/>
+              </a:cxn>
+              <a:cxn ang="0">
+                <a:pos x="connsiteX5" y="connsiteY5"/>
+              </a:cxn>
+            </a:cxnLst>
+            <a:rect l="l" t="t" r="r" b="b"/>
+            <a:pathLst>
+              <a:path w="11016943" h="2262375">
+                <a:moveTo>
+                  <a:pt x="0" y="0"/>
+                </a:moveTo>
+                <a:lnTo>
+                  <a:pt x="9969166" y="0"/>
+                </a:lnTo>
+                <a:lnTo>
+                  <a:pt x="11016943" y="2262375"/>
+                </a:lnTo>
+                <a:lnTo>
+                  <a:pt x="4942050" y="2262375"/>
+                </a:lnTo>
+                <a:lnTo>
+                  <a:pt x="4582160" y="2262375"/>
+                </a:lnTo>
+                <a:lnTo>
+                  <a:pt x="0" y="2262375"/>
+                </a:lnTo>
+                <a:close/>
+              </a:path>
+            </a:pathLst>
+          </a:custGeom>
+          <a:solidFill>
+            <a:schemeClr val="bg1">
+              <a:lumMod val="85000"/>
+              <a:lumOff val="15000"/>
+              <a:alpha val="88000"/>
+            </a:schemeClr>
+          </a:solidFill>
+          <a:ln>
+            <a:noFill/>
+          </a:ln>
+        </p:spPr>
+        <p:style>
+          <a:lnRef idx="2">
+            <a:schemeClr val="accent1">
+              <a:shade val="50000"/>
+            </a:schemeClr>
+          </a:lnRef>
+          <a:fillRef idx="1">
+            <a:schemeClr val="accent1"/>
+          </a:fillRef>
+          <a:effectRef idx="0">
+            <a:schemeClr val="accent1"/>
+          </a:effectRef>
+          <a:fontRef idx="minor">
+            <a:schemeClr val="lt1"/>
+          </a:fontRef>
+        </p:style>
+        <p:txBody>
+          <a:bodyPr wrap="square" rtlCol="0" anchor="ctr">
+            <a:noAutofit/>
+          </a:bodyPr>
+          <a:lstStyle/>
+          <a:p>
+            <a:pPr algn="ctr"/>
+            <a:endParaRPr lang="en-US"/>
+          </a:p>
+        </p:txBody>
+      </p:sp>
+      <p:sp>
+        <p:nvSpPr>
+          <p:cNvPr id="2" name="Title 1">
+            <a:extLst>
+              <a:ext uri="{FF2B5EF4-FFF2-40B4-BE49-F238E27FC236}">
+                <a16:creationId xmlns:a16="http://schemas.microsoft.com/office/drawing/2014/main" id="{9BE92925-EED3-445D-A55E-0384836B52BF}"/>
+              </a:ext>
+            </a:extLst>
+          </p:cNvPr>
+          <p:cNvSpPr>
+            <a:spLocks noGrp="1"/>
+          </p:cNvSpPr>
+          <p:nvPr>
+            <p:ph type="title"/>
+          </p:nvPr>
+        </p:nvSpPr>
+        <p:spPr>
+          <a:xfrm>
+            <a:off x="618062" y="3905250"/>
+            <a:ext cx="9265771" cy="903335"/>
+          </a:xfrm>
+        </p:spPr>
+        <p:txBody>
+          <a:bodyPr>
+            <a:normAutofit/>
+          </a:bodyPr>
+          <a:lstStyle/>
+          <a:p>
+            <a:r>
+              <a:rPr lang="sv-SE" sz="4000" b="1" dirty="0"/>
+              <a:t>Innehåll</a:t>
+            </a:r>
+          </a:p>
+        </p:txBody>
+      </p:sp>
+      <p:sp>
+        <p:nvSpPr>
+          <p:cNvPr id="3" name="Content Placeholder 2">
+            <a:extLst>
+              <a:ext uri="{FF2B5EF4-FFF2-40B4-BE49-F238E27FC236}">
+                <a16:creationId xmlns:a16="http://schemas.microsoft.com/office/drawing/2014/main" id="{14980731-B9AB-4D9D-8C5A-5B5D668635EC}"/>
+              </a:ext>
+            </a:extLst>
+          </p:cNvPr>
+          <p:cNvSpPr>
+            <a:spLocks noGrp="1"/>
+          </p:cNvSpPr>
+          <p:nvPr>
+            <p:ph idx="1"/>
+          </p:nvPr>
+        </p:nvSpPr>
+        <p:spPr>
+          <a:xfrm>
+            <a:off x="618063" y="4856920"/>
+            <a:ext cx="9565028" cy="1753429"/>
+          </a:xfrm>
+        </p:spPr>
+        <p:txBody>
+          <a:bodyPr>
+            <a:normAutofit/>
+          </a:bodyPr>
+          <a:lstStyle/>
+          <a:p>
+            <a:r>
+              <a:rPr lang="sv-SE" sz="2400" dirty="0"/>
+              <a:t>Kryptering</a:t>
+            </a:r>
+          </a:p>
+          <a:p>
+            <a:r>
+              <a:rPr lang="sv-SE" sz="2400" dirty="0"/>
+              <a:t>Semifaktoriseringsfunktion</a:t>
+            </a:r>
+          </a:p>
+          <a:p>
+            <a:r>
+              <a:rPr lang="sv-SE" sz="2400" dirty="0"/>
+              <a:t>Krypteringsalgoritm med semifaktoriseringsfuntion</a:t>
+            </a:r>
+          </a:p>
+        </p:txBody>
+      </p:sp>
+    </p:spTree>
+    <p:extLst>
+      <p:ext uri="{BB962C8B-B14F-4D97-AF65-F5344CB8AC3E}">
+        <p14:creationId xmlns:p14="http://schemas.microsoft.com/office/powerpoint/2010/main" val="811192652"/>
+      </p:ext>
+    </p:extLst>
+  </p:cSld>
+  <p:clrMapOvr>
+    <a:overrideClrMapping bg1="dk1" tx1="lt1" bg2="dk2" tx2="lt2" accent1="accent1" accent2="accent2" accent3="accent3" accent4="accent4" accent5="accent5" accent6="accent6" hlink="hlink" folHlink="folHlink"/>
+  </p:clrMapOvr>
+</p:sld>
+</file>
+
+<file path=ppt/slides/slide20.xml><?xml version="1.0" encoding="utf-8"?>
 <p:sld xmlns:a="http://schemas.openxmlformats.org/drawingml/2006/main" xmlns:r="http://schemas.openxmlformats.org/officeDocument/2006/relationships" xmlns:p="http://schemas.openxmlformats.org/presentationml/2006/main">
   <p:cSld>
     <p:bg>
@@ -6202,16 +10386,53 @@
           <a:lstStyle/>
           <a:p>
             <a:r>
-              <a:rPr lang="en-US" sz="5400" kern="1200">
+              <a:rPr lang="en-US" sz="5400" dirty="0" err="1">
                 <a:solidFill>
                   <a:srgbClr val="FFFFFF"/>
                 </a:solidFill>
-                <a:latin typeface="+mj-lt"/>
-                <a:ea typeface="+mj-ea"/>
-                <a:cs typeface="+mj-cs"/>
               </a:rPr>
-              <a:t>Questions and Answers</a:t>
+              <a:t>Frågor</a:t>
             </a:r>
+            <a:r>
+              <a:rPr lang="en-US" sz="5400" dirty="0">
+                <a:solidFill>
+                  <a:srgbClr val="FFFFFF"/>
+                </a:solidFill>
+              </a:rPr>
+              <a:t> </a:t>
+            </a:r>
+            <a:r>
+              <a:rPr lang="en-US" sz="5400" dirty="0" err="1">
+                <a:solidFill>
+                  <a:srgbClr val="FFFFFF"/>
+                </a:solidFill>
+              </a:rPr>
+              <a:t>och</a:t>
+            </a:r>
+            <a:r>
+              <a:rPr lang="en-US" sz="5400" dirty="0">
+                <a:solidFill>
+                  <a:srgbClr val="FFFFFF"/>
+                </a:solidFill>
+              </a:rPr>
+              <a:t> </a:t>
+            </a:r>
+            <a:r>
+              <a:rPr lang="en-US" sz="5400" dirty="0" err="1">
+                <a:solidFill>
+                  <a:srgbClr val="FFFFFF"/>
+                </a:solidFill>
+              </a:rPr>
+              <a:t>Svar</a:t>
+            </a:r>
+            <a:endParaRPr lang="en-US" sz="5400" kern="1200" dirty="0">
+              <a:solidFill>
+                <a:srgbClr val="FFFFFF"/>
+              </a:solidFill>
+              <a:latin typeface="+mj-lt"/>
+              <a:ea typeface="+mj-ea"/>
+              <a:cs typeface="+mj-cs"/>
+            </a:endParaRPr>
           </a:p>
         </p:txBody>
       </p:sp>
@@ -6263,302 +10484,6 @@
   </p:cSld>
   <p:clrMapOvr>
     <a:masterClrMapping/>
-  </p:clrMapOvr>
-</p:sld>
-</file>
-
-<file path=ppt/slides/slide2.xml><?xml version="1.0" encoding="utf-8"?>
-<p:sld xmlns:a="http://schemas.openxmlformats.org/drawingml/2006/main" xmlns:r="http://schemas.openxmlformats.org/officeDocument/2006/relationships" xmlns:p="http://schemas.openxmlformats.org/presentationml/2006/main">
-  <p:cSld>
-    <p:bg>
-      <p:bgPr>
-        <a:solidFill>
-          <a:schemeClr val="bg1">
-            <a:tint val="95000"/>
-            <a:satMod val="170000"/>
-          </a:schemeClr>
-        </a:solidFill>
-        <a:effectLst/>
-      </p:bgPr>
-    </p:bg>
-    <p:spTree>
-      <p:nvGrpSpPr>
-        <p:cNvPr id="1" name=""/>
-        <p:cNvGrpSpPr/>
-        <p:nvPr/>
-      </p:nvGrpSpPr>
-      <p:grpSpPr>
-        <a:xfrm>
-          <a:off x="0" y="0"/>
-          <a:ext cx="0" cy="0"/>
-          <a:chOff x="0" y="0"/>
-          <a:chExt cx="0" cy="0"/>
-        </a:xfrm>
-      </p:grpSpPr>
-      <p:pic>
-        <p:nvPicPr>
-          <p:cNvPr id="5122" name="Picture 2" descr="How can big data turn into improved freight rates and better service levels  - Your Global Logistics Network">
-            <a:extLst>
-              <a:ext uri="{FF2B5EF4-FFF2-40B4-BE49-F238E27FC236}">
-                <a16:creationId xmlns:a16="http://schemas.microsoft.com/office/drawing/2014/main" id="{167E4091-42D6-4B41-9E00-274F132E4703}"/>
-              </a:ext>
-            </a:extLst>
-          </p:cNvPr>
-          <p:cNvPicPr>
-            <a:picLocks noChangeAspect="1" noChangeArrowheads="1"/>
-          </p:cNvPicPr>
-          <p:nvPr/>
-        </p:nvPicPr>
-        <p:blipFill rotWithShape="1">
-          <a:blip r:embed="rId2">
-            <a:extLst>
-              <a:ext uri="{28A0092B-C50C-407E-A947-70E740481C1C}">
-                <a14:useLocalDpi xmlns:a14="http://schemas.microsoft.com/office/drawing/2010/main" val="0"/>
-              </a:ext>
-            </a:extLst>
-          </a:blip>
-          <a:srcRect r="25"/>
-          <a:stretch/>
-        </p:blipFill>
-        <p:spPr bwMode="auto">
-          <a:xfrm>
-            <a:off x="20" y="10"/>
-            <a:ext cx="12188932" cy="6857990"/>
-          </a:xfrm>
-          <a:prstGeom prst="rect">
-            <a:avLst/>
-          </a:prstGeom>
-          <a:noFill/>
-          <a:extLst>
-            <a:ext uri="{909E8E84-426E-40DD-AFC4-6F175D3DCCD1}">
-              <a14:hiddenFill xmlns:a14="http://schemas.microsoft.com/office/drawing/2010/main">
-                <a:solidFill>
-                  <a:srgbClr val="FFFFFF"/>
-                </a:solidFill>
-              </a14:hiddenFill>
-            </a:ext>
-          </a:extLst>
-        </p:spPr>
-      </p:pic>
-      <p:sp>
-        <p:nvSpPr>
-          <p:cNvPr id="71" name="Freeform: Shape 70">
-            <a:extLst>
-              <a:ext uri="{FF2B5EF4-FFF2-40B4-BE49-F238E27FC236}">
-                <a16:creationId xmlns:a16="http://schemas.microsoft.com/office/drawing/2014/main" id="{5E8D2E83-FB3A-40E7-A9E5-7AB389D612B4}"/>
-              </a:ext>
-              <a:ext uri="{C183D7F6-B498-43B3-948B-1728B52AA6E4}">
-                <adec:decorative xmlns:adec="http://schemas.microsoft.com/office/drawing/2017/decorative" val="1"/>
-              </a:ext>
-            </a:extLst>
-          </p:cNvPr>
-          <p:cNvSpPr>
-            <a:spLocks noGrp="1" noRot="1" noChangeAspect="1" noMove="1" noResize="1" noEditPoints="1" noAdjustHandles="1" noChangeArrowheads="1" noChangeShapeType="1" noTextEdit="1"/>
-          </p:cNvSpPr>
-          <p:nvPr>
-            <p:extLst>
-              <p:ext uri="{386F3935-93C4-4BCD-93E2-E3B085C9AB24}">
-                <p16:designElem xmlns:p16="http://schemas.microsoft.com/office/powerpoint/2015/main" val="1"/>
-              </p:ext>
-            </p:extLst>
-          </p:nvPr>
-        </p:nvSpPr>
-        <p:spPr>
-          <a:xfrm>
-            <a:off x="0" y="4023809"/>
-            <a:ext cx="11016943" cy="2262375"/>
-          </a:xfrm>
-          <a:custGeom>
-            <a:avLst/>
-            <a:gdLst>
-              <a:gd name="connsiteX0" fmla="*/ 0 w 11016943"/>
-              <a:gd name="connsiteY0" fmla="*/ 0 h 2262375"/>
-              <a:gd name="connsiteX1" fmla="*/ 9969166 w 11016943"/>
-              <a:gd name="connsiteY1" fmla="*/ 0 h 2262375"/>
-              <a:gd name="connsiteX2" fmla="*/ 11016943 w 11016943"/>
-              <a:gd name="connsiteY2" fmla="*/ 2262375 h 2262375"/>
-              <a:gd name="connsiteX3" fmla="*/ 4942050 w 11016943"/>
-              <a:gd name="connsiteY3" fmla="*/ 2262375 h 2262375"/>
-              <a:gd name="connsiteX4" fmla="*/ 4582160 w 11016943"/>
-              <a:gd name="connsiteY4" fmla="*/ 2262375 h 2262375"/>
-              <a:gd name="connsiteX5" fmla="*/ 0 w 11016943"/>
-              <a:gd name="connsiteY5" fmla="*/ 2262375 h 2262375"/>
-            </a:gdLst>
-            <a:ahLst/>
-            <a:cxnLst>
-              <a:cxn ang="0">
-                <a:pos x="connsiteX0" y="connsiteY0"/>
-              </a:cxn>
-              <a:cxn ang="0">
-                <a:pos x="connsiteX1" y="connsiteY1"/>
-              </a:cxn>
-              <a:cxn ang="0">
-                <a:pos x="connsiteX2" y="connsiteY2"/>
-              </a:cxn>
-              <a:cxn ang="0">
-                <a:pos x="connsiteX3" y="connsiteY3"/>
-              </a:cxn>
-              <a:cxn ang="0">
-                <a:pos x="connsiteX4" y="connsiteY4"/>
-              </a:cxn>
-              <a:cxn ang="0">
-                <a:pos x="connsiteX5" y="connsiteY5"/>
-              </a:cxn>
-            </a:cxnLst>
-            <a:rect l="l" t="t" r="r" b="b"/>
-            <a:pathLst>
-              <a:path w="11016943" h="2262375">
-                <a:moveTo>
-                  <a:pt x="0" y="0"/>
-                </a:moveTo>
-                <a:lnTo>
-                  <a:pt x="9969166" y="0"/>
-                </a:lnTo>
-                <a:lnTo>
-                  <a:pt x="11016943" y="2262375"/>
-                </a:lnTo>
-                <a:lnTo>
-                  <a:pt x="4942050" y="2262375"/>
-                </a:lnTo>
-                <a:lnTo>
-                  <a:pt x="4582160" y="2262375"/>
-                </a:lnTo>
-                <a:lnTo>
-                  <a:pt x="0" y="2262375"/>
-                </a:lnTo>
-                <a:close/>
-              </a:path>
-            </a:pathLst>
-          </a:custGeom>
-          <a:solidFill>
-            <a:schemeClr val="bg1">
-              <a:lumMod val="85000"/>
-              <a:lumOff val="15000"/>
-              <a:alpha val="88000"/>
-            </a:schemeClr>
-          </a:solidFill>
-          <a:ln>
-            <a:noFill/>
-          </a:ln>
-        </p:spPr>
-        <p:style>
-          <a:lnRef idx="2">
-            <a:schemeClr val="accent1">
-              <a:shade val="50000"/>
-            </a:schemeClr>
-          </a:lnRef>
-          <a:fillRef idx="1">
-            <a:schemeClr val="accent1"/>
-          </a:fillRef>
-          <a:effectRef idx="0">
-            <a:schemeClr val="accent1"/>
-          </a:effectRef>
-          <a:fontRef idx="minor">
-            <a:schemeClr val="lt1"/>
-          </a:fontRef>
-        </p:style>
-        <p:txBody>
-          <a:bodyPr wrap="square" rtlCol="0" anchor="ctr">
-            <a:noAutofit/>
-          </a:bodyPr>
-          <a:lstStyle/>
-          <a:p>
-            <a:pPr algn="ctr"/>
-            <a:endParaRPr lang="en-US"/>
-          </a:p>
-        </p:txBody>
-      </p:sp>
-      <p:sp>
-        <p:nvSpPr>
-          <p:cNvPr id="2" name="Title 1">
-            <a:extLst>
-              <a:ext uri="{FF2B5EF4-FFF2-40B4-BE49-F238E27FC236}">
-                <a16:creationId xmlns:a16="http://schemas.microsoft.com/office/drawing/2014/main" id="{9BE92925-EED3-445D-A55E-0384836B52BF}"/>
-              </a:ext>
-            </a:extLst>
-          </p:cNvPr>
-          <p:cNvSpPr>
-            <a:spLocks noGrp="1"/>
-          </p:cNvSpPr>
-          <p:nvPr>
-            <p:ph type="title"/>
-          </p:nvPr>
-        </p:nvSpPr>
-        <p:spPr>
-          <a:xfrm>
-            <a:off x="618062" y="4185749"/>
-            <a:ext cx="9265771" cy="622836"/>
-          </a:xfrm>
-        </p:spPr>
-        <p:txBody>
-          <a:bodyPr>
-            <a:normAutofit/>
-          </a:bodyPr>
-          <a:lstStyle/>
-          <a:p>
-            <a:r>
-              <a:rPr lang="sv-SE" sz="3600"/>
-              <a:t>Innehåll</a:t>
-            </a:r>
-          </a:p>
-        </p:txBody>
-      </p:sp>
-      <p:sp>
-        <p:nvSpPr>
-          <p:cNvPr id="3" name="Content Placeholder 2">
-            <a:extLst>
-              <a:ext uri="{FF2B5EF4-FFF2-40B4-BE49-F238E27FC236}">
-                <a16:creationId xmlns:a16="http://schemas.microsoft.com/office/drawing/2014/main" id="{14980731-B9AB-4D9D-8C5A-5B5D668635EC}"/>
-              </a:ext>
-            </a:extLst>
-          </p:cNvPr>
-          <p:cNvSpPr>
-            <a:spLocks noGrp="1"/>
-          </p:cNvSpPr>
-          <p:nvPr>
-            <p:ph idx="1"/>
-          </p:nvPr>
-        </p:nvSpPr>
-        <p:spPr>
-          <a:xfrm>
-            <a:off x="618063" y="4856921"/>
-            <a:ext cx="9565028" cy="1249240"/>
-          </a:xfrm>
-        </p:spPr>
-        <p:txBody>
-          <a:bodyPr>
-            <a:normAutofit/>
-          </a:bodyPr>
-          <a:lstStyle/>
-          <a:p>
-            <a:r>
-              <a:rPr lang="sv-SE" sz="1800"/>
-              <a:t>Kryptering</a:t>
-            </a:r>
-          </a:p>
-          <a:p>
-            <a:r>
-              <a:rPr lang="sv-SE" sz="1800"/>
-              <a:t>Semifaktoriseringsfunktion</a:t>
-            </a:r>
-          </a:p>
-          <a:p>
-            <a:r>
-              <a:rPr lang="sv-SE" sz="1800"/>
-              <a:t>Krypteringsalgoritm med semifaktoriseringsfuntion</a:t>
-            </a:r>
-          </a:p>
-        </p:txBody>
-      </p:sp>
-    </p:spTree>
-    <p:extLst>
-      <p:ext uri="{BB962C8B-B14F-4D97-AF65-F5344CB8AC3E}">
-        <p14:creationId xmlns:p14="http://schemas.microsoft.com/office/powerpoint/2010/main" val="811192652"/>
-      </p:ext>
-    </p:extLst>
-  </p:cSld>
-  <p:clrMapOvr>
-    <a:overrideClrMapping bg1="dk1" tx1="lt1" bg2="dk2" tx2="lt2" accent1="accent1" accent2="accent2" accent3="accent3" accent4="accent4" accent5="accent5" accent6="accent6" hlink="hlink" folHlink="folHlink"/>
   </p:clrMapOvr>
 </p:sld>
 </file>
@@ -6745,8 +10670,8 @@
         </p:nvSpPr>
         <p:spPr>
           <a:xfrm>
-            <a:off x="2390179" y="4810550"/>
-            <a:ext cx="4738047" cy="1429263"/>
+            <a:off x="2313979" y="4810550"/>
+            <a:ext cx="6963371" cy="1429263"/>
           </a:xfrm>
           <a:prstGeom prst="rect">
             <a:avLst/>
@@ -7173,8 +11098,8 @@
         </p:nvSpPr>
         <p:spPr>
           <a:xfrm>
-            <a:off x="1109662" y="2965876"/>
-            <a:ext cx="909638" cy="830997"/>
+            <a:off x="0" y="2842765"/>
+            <a:ext cx="2715768" cy="1077218"/>
           </a:xfrm>
           <a:prstGeom prst="rect">
             <a:avLst/>
@@ -7189,8 +11114,8 @@
           <a:p>
             <a:pPr algn="ctr"/>
             <a:r>
-              <a:rPr lang="sv-SE" sz="4800" dirty="0"/>
-              <a:t>A</a:t>
+              <a:rPr lang="sv-SE" sz="3200" dirty="0"/>
+              <a:t>Oformatterad text</a:t>
             </a:r>
           </a:p>
         </p:txBody>
@@ -7237,8 +11162,8 @@
         </p:nvSpPr>
         <p:spPr>
           <a:xfrm>
-            <a:off x="9829800" y="2965876"/>
-            <a:ext cx="909638" cy="830997"/>
+            <a:off x="9829799" y="2965876"/>
+            <a:ext cx="2022627" cy="1077218"/>
           </a:xfrm>
           <a:prstGeom prst="rect">
             <a:avLst/>
@@ -7253,8 +11178,8 @@
           <a:p>
             <a:pPr algn="ctr"/>
             <a:r>
-              <a:rPr lang="sv-SE" sz="4800" dirty="0"/>
-              <a:t>D</a:t>
+              <a:rPr lang="sv-SE" sz="3200" dirty="0"/>
+              <a:t>Krypterad text</a:t>
             </a:r>
           </a:p>
         </p:txBody>
